--- a/Documentation/ProjectArchitecture-Final.pptx
+++ b/Documentation/ProjectArchitecture-Final.pptx
@@ -1,23 +1,23 @@
 
 <file path=ppt/presentation.xml><?xml version="1.0" encoding="utf-8"?>
-<p:presentation xmlns:a="http://schemas.openxmlformats.org/drawingml/2006/main" xmlns:r="http://schemas.openxmlformats.org/officeDocument/2006/relationships" xmlns:p="http://schemas.openxmlformats.org/presentationml/2006/main" xmlns:m="http://schemas.openxmlformats.org/officeDocument/2006/math" xmlns:a14="http://schemas.microsoft.com/office/drawing/2010/main">
+<p:presentation xmlns:a="http://schemas.openxmlformats.org/drawingml/2006/main" xmlns:r="http://schemas.openxmlformats.org/officeDocument/2006/relationships" xmlns:p="http://schemas.openxmlformats.org/presentationml/2006/main">
   <p:sldMasterIdLst>
-    <p:sldMasterId id="2147483648" r:id="rId5"/>
+    <p:sldMasterId id="2147483648" r:id="rId1"/>
   </p:sldMasterIdLst>
   <p:notesMasterIdLst>
-    <p:notesMasterId r:id="rId7"/>
+    <p:notesMasterId r:id="rId10"/>
   </p:notesMasterIdLst>
   <p:sldIdLst>
-    <p:sldId id="256" r:id="rId8"/>
-    <p:sldId id="257" r:id="rId9"/>
-    <p:sldId id="258" r:id="rId10"/>
-    <p:sldId id="259" r:id="rId11"/>
-    <p:sldId id="260" r:id="rId12"/>
-    <p:sldId id="261" r:id="rId13"/>
-    <p:sldId id="262" r:id="rId14"/>
-    <p:sldId id="263" r:id="rId15"/>
+    <p:sldId id="256" r:id="rId2"/>
+    <p:sldId id="257" r:id="rId3"/>
+    <p:sldId id="258" r:id="rId4"/>
+    <p:sldId id="259" r:id="rId5"/>
+    <p:sldId id="260" r:id="rId6"/>
+    <p:sldId id="261" r:id="rId7"/>
+    <p:sldId id="262" r:id="rId8"/>
+    <p:sldId id="263" r:id="rId9"/>
   </p:sldIdLst>
-  <p:sldSz cx="9144000" cy="5143500"/>
+  <p:sldSz cx="9144000" cy="5143500" type="screen16x9"/>
   <p:notesSz cx="6858000" cy="9144000"/>
   <p:defaultTextStyle>
     <a:defPPr marL="0" marR="0" indent="0" algn="l" defTabSz="914400" rtl="0" fontAlgn="auto" latinLnBrk="1" hangingPunct="0">
@@ -35,7 +35,7 @@
       <a:buFontTx/>
       <a:buNone/>
       <a:tabLst/>
-      <a:defRPr b="0" baseline="0" cap="none" i="0" spc="0" strike="noStrike" sz="1800" u="none" kumimoji="0" normalizeH="0">
+      <a:defRPr kumimoji="0" sz="1800" b="0" i="0" u="none" strike="noStrike" cap="none" spc="0" normalizeH="0" baseline="0">
         <a:ln>
           <a:noFill/>
         </a:ln>
@@ -61,7 +61,7 @@
       <a:buFontTx/>
       <a:buNone/>
       <a:tabLst/>
-      <a:defRPr b="0" baseline="0" cap="none" i="0" spc="0" strike="noStrike" sz="1400" u="none" kumimoji="0" normalizeH="0">
+      <a:defRPr kumimoji="0" sz="1400" b="0" i="0" u="none" strike="noStrike" cap="none" spc="0" normalizeH="0" baseline="0">
         <a:ln>
           <a:noFill/>
         </a:ln>
@@ -91,7 +91,7 @@
       <a:buFontTx/>
       <a:buNone/>
       <a:tabLst/>
-      <a:defRPr b="0" baseline="0" cap="none" i="0" spc="0" strike="noStrike" sz="1400" u="none" kumimoji="0" normalizeH="0">
+      <a:defRPr kumimoji="0" sz="1400" b="0" i="0" u="none" strike="noStrike" cap="none" spc="0" normalizeH="0" baseline="0">
         <a:ln>
           <a:noFill/>
         </a:ln>
@@ -121,7 +121,7 @@
       <a:buFontTx/>
       <a:buNone/>
       <a:tabLst/>
-      <a:defRPr b="0" baseline="0" cap="none" i="0" spc="0" strike="noStrike" sz="1400" u="none" kumimoji="0" normalizeH="0">
+      <a:defRPr kumimoji="0" sz="1400" b="0" i="0" u="none" strike="noStrike" cap="none" spc="0" normalizeH="0" baseline="0">
         <a:ln>
           <a:noFill/>
         </a:ln>
@@ -151,7 +151,7 @@
       <a:buFontTx/>
       <a:buNone/>
       <a:tabLst/>
-      <a:defRPr b="0" baseline="0" cap="none" i="0" spc="0" strike="noStrike" sz="1400" u="none" kumimoji="0" normalizeH="0">
+      <a:defRPr kumimoji="0" sz="1400" b="0" i="0" u="none" strike="noStrike" cap="none" spc="0" normalizeH="0" baseline="0">
         <a:ln>
           <a:noFill/>
         </a:ln>
@@ -181,7 +181,7 @@
       <a:buFontTx/>
       <a:buNone/>
       <a:tabLst/>
-      <a:defRPr b="0" baseline="0" cap="none" i="0" spc="0" strike="noStrike" sz="1400" u="none" kumimoji="0" normalizeH="0">
+      <a:defRPr kumimoji="0" sz="1400" b="0" i="0" u="none" strike="noStrike" cap="none" spc="0" normalizeH="0" baseline="0">
         <a:ln>
           <a:noFill/>
         </a:ln>
@@ -211,7 +211,7 @@
       <a:buFontTx/>
       <a:buNone/>
       <a:tabLst/>
-      <a:defRPr b="0" baseline="0" cap="none" i="0" spc="0" strike="noStrike" sz="1400" u="none" kumimoji="0" normalizeH="0">
+      <a:defRPr kumimoji="0" sz="1400" b="0" i="0" u="none" strike="noStrike" cap="none" spc="0" normalizeH="0" baseline="0">
         <a:ln>
           <a:noFill/>
         </a:ln>
@@ -241,7 +241,7 @@
       <a:buFontTx/>
       <a:buNone/>
       <a:tabLst/>
-      <a:defRPr b="0" baseline="0" cap="none" i="0" spc="0" strike="noStrike" sz="1400" u="none" kumimoji="0" normalizeH="0">
+      <a:defRPr kumimoji="0" sz="1400" b="0" i="0" u="none" strike="noStrike" cap="none" spc="0" normalizeH="0" baseline="0">
         <a:ln>
           <a:noFill/>
         </a:ln>
@@ -271,7 +271,7 @@
       <a:buFontTx/>
       <a:buNone/>
       <a:tabLst/>
-      <a:defRPr b="0" baseline="0" cap="none" i="0" spc="0" strike="noStrike" sz="1400" u="none" kumimoji="0" normalizeH="0">
+      <a:defRPr kumimoji="0" sz="1400" b="0" i="0" u="none" strike="noStrike" cap="none" spc="0" normalizeH="0" baseline="0">
         <a:ln>
           <a:noFill/>
         </a:ln>
@@ -301,7 +301,7 @@
       <a:buFontTx/>
       <a:buNone/>
       <a:tabLst/>
-      <a:defRPr b="0" baseline="0" cap="none" i="0" spc="0" strike="noStrike" sz="1400" u="none" kumimoji="0" normalizeH="0">
+      <a:defRPr kumimoji="0" sz="1400" b="0" i="0" u="none" strike="noStrike" cap="none" spc="0" normalizeH="0" baseline="0">
         <a:ln>
           <a:noFill/>
         </a:ln>
@@ -320,13 +320,14 @@
 </p:presentation>
 </file>
 
-<file path=ppt/commentAuthors.xml><?xml version="1.0" encoding="utf-8"?>
-<p:cmAuthorLst xmlns:a="http://schemas.openxmlformats.org/drawingml/2006/main" xmlns:r="http://schemas.openxmlformats.org/officeDocument/2006/relationships" xmlns:p="http://schemas.openxmlformats.org/presentationml/2006/main" xmlns:m="http://schemas.openxmlformats.org/officeDocument/2006/math" xmlns:a14="http://schemas.microsoft.com/office/drawing/2010/main"/>
-</file>
-
 <file path=ppt/notesMasters/notesMaster1.xml><?xml version="1.0" encoding="utf-8"?>
-<p:notesMaster xmlns:a="http://schemas.openxmlformats.org/drawingml/2006/main" xmlns:r="http://schemas.openxmlformats.org/officeDocument/2006/relationships" xmlns:p="http://schemas.openxmlformats.org/presentationml/2006/main" xmlns:m="http://schemas.openxmlformats.org/officeDocument/2006/math" xmlns:a14="http://schemas.microsoft.com/office/drawing/2010/main">
+<p:notesMaster xmlns:a="http://schemas.openxmlformats.org/drawingml/2006/main" xmlns:r="http://schemas.openxmlformats.org/officeDocument/2006/relationships" xmlns:p="http://schemas.openxmlformats.org/presentationml/2006/main">
   <p:cSld>
+    <p:bg>
+      <p:bgRef idx="1001">
+        <a:schemeClr val="bg1"/>
+      </p:bgRef>
+    </p:bg>
     <p:spTree>
       <p:nvGrpSpPr>
         <p:cNvPr id="1" name=""/>
@@ -344,7 +345,9 @@
       <p:sp>
         <p:nvSpPr>
           <p:cNvPr id="186" name="Shape 186"/>
-          <p:cNvSpPr/>
+          <p:cNvSpPr>
+            <a:spLocks noGrp="1" noRot="1" noChangeAspect="1"/>
+          </p:cNvSpPr>
           <p:nvPr>
             <p:ph type="sldImg"/>
           </p:nvPr>
@@ -362,14 +365,16 @@
           <a:bodyPr/>
           <a:lstStyle/>
           <a:p>
-            <a:pPr/>
+            <a:endParaRPr/>
           </a:p>
         </p:txBody>
       </p:sp>
       <p:sp>
         <p:nvSpPr>
           <p:cNvPr id="187" name="Shape 187"/>
-          <p:cNvSpPr/>
+          <p:cNvSpPr>
+            <a:spLocks noGrp="1"/>
+          </p:cNvSpPr>
           <p:nvPr>
             <p:ph type="body" sz="quarter" idx="1"/>
           </p:nvPr>
@@ -387,7 +392,7 @@
           <a:bodyPr/>
           <a:lstStyle/>
           <a:p>
-            <a:pPr/>
+            <a:endParaRPr/>
           </a:p>
         </p:txBody>
       </p:sp>
@@ -472,7 +477,7 @@
 </file>
 
 <file path=ppt/slideLayouts/slideLayout1.xml><?xml version="1.0" encoding="utf-8"?>
-<p:sldLayout xmlns:a="http://schemas.openxmlformats.org/drawingml/2006/main" xmlns:r="http://schemas.openxmlformats.org/officeDocument/2006/relationships" xmlns:p="http://schemas.openxmlformats.org/presentationml/2006/main" xmlns:m="http://schemas.openxmlformats.org/officeDocument/2006/math" xmlns:a14="http://schemas.microsoft.com/office/drawing/2010/main" type="title" showMasterSp="1" showMasterPhAnim="1">
+<p:sldLayout xmlns:a="http://schemas.openxmlformats.org/drawingml/2006/main" xmlns:r="http://schemas.openxmlformats.org/officeDocument/2006/relationships" xmlns:p="http://schemas.openxmlformats.org/presentationml/2006/main" type="title">
   <p:cSld name="TITLE">
     <p:spTree>
       <p:nvGrpSpPr>
@@ -519,7 +524,7 @@
             </a:cxnLst>
             <a:rect l="0" t="0" r="r" b="b"/>
             <a:pathLst>
-              <a:path w="21600" h="21600" fill="norm" stroke="1" extrusionOk="0">
+              <a:path w="21600" h="21600" extrusionOk="0">
                 <a:moveTo>
                   <a:pt x="0" y="0"/>
                 </a:moveTo>
@@ -553,6 +558,7 @@
                 </a:solidFill>
               </a:defRPr>
             </a:pPr>
+            <a:endParaRPr/>
           </a:p>
         </p:txBody>
       </p:sp>
@@ -601,7 +607,7 @@
               </a:cxnLst>
               <a:rect l="0" t="0" r="r" b="b"/>
               <a:pathLst>
-                <a:path w="21600" h="21600" fill="norm" stroke="1" extrusionOk="0">
+                <a:path w="21600" h="21600" extrusionOk="0">
                   <a:moveTo>
                     <a:pt x="0" y="10800"/>
                   </a:moveTo>
@@ -642,6 +648,7 @@
                   </a:solidFill>
                 </a:defRPr>
               </a:pPr>
+              <a:endParaRPr/>
             </a:p>
           </p:txBody>
         </p:sp>
@@ -676,7 +683,7 @@
               </a:cxnLst>
               <a:rect l="0" t="0" r="r" b="b"/>
               <a:pathLst>
-                <a:path w="21600" h="21600" fill="norm" stroke="1" extrusionOk="0">
+                <a:path w="21600" h="21600" extrusionOk="0">
                   <a:moveTo>
                     <a:pt x="0" y="12695"/>
                   </a:moveTo>
@@ -717,6 +724,7 @@
                   </a:solidFill>
                 </a:defRPr>
               </a:pPr>
+              <a:endParaRPr/>
             </a:p>
           </p:txBody>
         </p:sp>
@@ -751,7 +759,7 @@
               </a:cxnLst>
               <a:rect l="0" t="0" r="r" b="b"/>
               <a:pathLst>
-                <a:path w="21600" h="21600" fill="norm" stroke="1" extrusionOk="0">
+                <a:path w="21600" h="21600" extrusionOk="0">
                   <a:moveTo>
                     <a:pt x="0" y="10800"/>
                   </a:moveTo>
@@ -790,6 +798,7 @@
                   </a:solidFill>
                 </a:defRPr>
               </a:pPr>
+              <a:endParaRPr/>
             </a:p>
           </p:txBody>
         </p:sp>
@@ -824,7 +833,7 @@
               </a:cxnLst>
               <a:rect l="0" t="0" r="r" b="b"/>
               <a:pathLst>
-                <a:path w="21600" h="21600" fill="norm" stroke="1" extrusionOk="0">
+                <a:path w="21600" h="21600" extrusionOk="0">
                   <a:moveTo>
                     <a:pt x="0" y="10800"/>
                   </a:moveTo>
@@ -863,6 +872,7 @@
                   </a:solidFill>
                 </a:defRPr>
               </a:pPr>
+              <a:endParaRPr/>
             </a:p>
           </p:txBody>
         </p:sp>
@@ -870,7 +880,9 @@
       <p:sp>
         <p:nvSpPr>
           <p:cNvPr id="17" name="Title Text"/>
-          <p:cNvSpPr txBox="1"/>
+          <p:cNvSpPr txBox="1">
+            <a:spLocks noGrp="1"/>
+          </p:cNvSpPr>
           <p:nvPr>
             <p:ph type="title"/>
           </p:nvPr>
@@ -886,7 +898,7 @@
         </p:spPr>
         <p:txBody>
           <a:bodyPr>
-            <a:normAutofit fontScale="100000" lnSpcReduction="0"/>
+            <a:normAutofit/>
           </a:bodyPr>
           <a:lstStyle>
             <a:lvl1pPr>
@@ -894,7 +906,6 @@
             </a:lvl1pPr>
           </a:lstStyle>
           <a:p>
-            <a:pPr/>
             <a:r>
               <a:t>Title Text</a:t>
             </a:r>
@@ -904,7 +915,9 @@
       <p:sp>
         <p:nvSpPr>
           <p:cNvPr id="18" name="Body Level One…"/>
-          <p:cNvSpPr txBox="1"/>
+          <p:cNvSpPr txBox="1">
+            <a:spLocks noGrp="1"/>
+          </p:cNvSpPr>
           <p:nvPr>
             <p:ph type="body" sz="quarter" idx="1"/>
           </p:nvPr>
@@ -920,7 +933,7 @@
         </p:spPr>
         <p:txBody>
           <a:bodyPr>
-            <a:normAutofit fontScale="100000" lnSpcReduction="0"/>
+            <a:normAutofit/>
           </a:bodyPr>
           <a:lstStyle>
             <a:lvl1pPr marL="311150" indent="-165100">
@@ -970,7 +983,6 @@
             </a:lvl5pPr>
           </a:lstStyle>
           <a:p>
-            <a:pPr/>
             <a:r>
               <a:t>Body Level One</a:t>
             </a:r>
@@ -1004,7 +1016,9 @@
       <p:sp>
         <p:nvSpPr>
           <p:cNvPr id="19" name="Slide Number"/>
-          <p:cNvSpPr txBox="1"/>
+          <p:cNvSpPr txBox="1">
+            <a:spLocks noGrp="1"/>
+          </p:cNvSpPr>
           <p:nvPr>
             <p:ph type="sldNum" sz="quarter" idx="2"/>
           </p:nvPr>
@@ -1018,8 +1032,10 @@
           <a:bodyPr/>
           <a:lstStyle/>
           <a:p>
-            <a:pPr/>
-            <a:fld id="{86CB4B4D-7CA3-9044-876B-883B54F8677D}" type="slidenum"/>
+            <a:fld id="{86CB4B4D-7CA3-9044-876B-883B54F8677D}" type="slidenum">
+              <a:t>‹#›</a:t>
+            </a:fld>
+            <a:endParaRPr/>
           </a:p>
         </p:txBody>
       </p:sp>
@@ -1028,12 +1044,12 @@
   <p:clrMapOvr>
     <a:masterClrMapping/>
   </p:clrMapOvr>
-  <p:transition xmlns:p14="http://schemas.microsoft.com/office/powerpoint/2010/main" spd="med" advClick="1"/>
+  <p:transition spd="med"/>
 </p:sldLayout>
 </file>
 
 <file path=ppt/slideLayouts/slideLayout10.xml><?xml version="1.0" encoding="utf-8"?>
-<p:sldLayout xmlns:a="http://schemas.openxmlformats.org/drawingml/2006/main" xmlns:r="http://schemas.openxmlformats.org/officeDocument/2006/relationships" xmlns:p="http://schemas.openxmlformats.org/presentationml/2006/main" xmlns:m="http://schemas.openxmlformats.org/officeDocument/2006/math" xmlns:a14="http://schemas.microsoft.com/office/drawing/2010/main" type="tx" showMasterSp="1" showMasterPhAnim="1">
+<p:sldLayout xmlns:a="http://schemas.openxmlformats.org/drawingml/2006/main" xmlns:r="http://schemas.openxmlformats.org/officeDocument/2006/relationships" xmlns:p="http://schemas.openxmlformats.org/presentationml/2006/main" type="tx">
   <p:cSld name="BIG_NUMBER">
     <p:spTree>
       <p:nvGrpSpPr>
@@ -1094,7 +1110,7 @@
               </a:cxnLst>
               <a:rect l="0" t="0" r="r" b="b"/>
               <a:pathLst>
-                <a:path w="21600" h="21600" fill="norm" stroke="1" extrusionOk="0">
+                <a:path w="21600" h="21600" extrusionOk="0">
                   <a:moveTo>
                     <a:pt x="0" y="10685"/>
                   </a:moveTo>
@@ -1135,6 +1151,7 @@
                   </a:solidFill>
                 </a:defRPr>
               </a:pPr>
+              <a:endParaRPr/>
             </a:p>
           </p:txBody>
         </p:sp>
@@ -1169,7 +1186,7 @@
               </a:cxnLst>
               <a:rect l="0" t="0" r="r" b="b"/>
               <a:pathLst>
-                <a:path w="21600" h="21600" fill="norm" stroke="1" extrusionOk="0">
+                <a:path w="21600" h="21600" extrusionOk="0">
                   <a:moveTo>
                     <a:pt x="0" y="0"/>
                   </a:moveTo>
@@ -1207,6 +1224,7 @@
                   </a:solidFill>
                 </a:defRPr>
               </a:pPr>
+              <a:endParaRPr/>
             </a:p>
           </p:txBody>
         </p:sp>
@@ -1241,7 +1259,7 @@
               </a:cxnLst>
               <a:rect l="0" t="0" r="r" b="b"/>
               <a:pathLst>
-                <a:path w="21600" h="21600" fill="norm" stroke="1" extrusionOk="0">
+                <a:path w="21600" h="21600" extrusionOk="0">
                   <a:moveTo>
                     <a:pt x="0" y="10800"/>
                   </a:moveTo>
@@ -1282,6 +1300,7 @@
                   </a:solidFill>
                 </a:defRPr>
               </a:pPr>
+              <a:endParaRPr/>
             </a:p>
           </p:txBody>
         </p:sp>
@@ -1316,7 +1335,7 @@
               </a:cxnLst>
               <a:rect l="0" t="0" r="r" b="b"/>
               <a:pathLst>
-                <a:path w="21600" h="21600" fill="norm" stroke="1" extrusionOk="0">
+                <a:path w="21600" h="21600" extrusionOk="0">
                   <a:moveTo>
                     <a:pt x="0" y="10800"/>
                   </a:moveTo>
@@ -1357,6 +1376,7 @@
                   </a:solidFill>
                 </a:defRPr>
               </a:pPr>
+              <a:endParaRPr/>
             </a:p>
           </p:txBody>
         </p:sp>
@@ -1391,7 +1411,7 @@
               </a:cxnLst>
               <a:rect l="0" t="0" r="r" b="b"/>
               <a:pathLst>
-                <a:path w="21600" h="21600" fill="norm" stroke="1" extrusionOk="0">
+                <a:path w="21600" h="21600" extrusionOk="0">
                   <a:moveTo>
                     <a:pt x="0" y="10800"/>
                   </a:moveTo>
@@ -1432,6 +1452,7 @@
                   </a:solidFill>
                 </a:defRPr>
               </a:pPr>
+              <a:endParaRPr/>
             </a:p>
           </p:txBody>
         </p:sp>
@@ -1466,7 +1487,7 @@
               </a:cxnLst>
               <a:rect l="0" t="0" r="r" b="b"/>
               <a:pathLst>
-                <a:path w="21600" h="21600" fill="norm" stroke="1" extrusionOk="0">
+                <a:path w="21600" h="21600" extrusionOk="0">
                   <a:moveTo>
                     <a:pt x="0" y="10800"/>
                   </a:moveTo>
@@ -1507,6 +1528,7 @@
                   </a:solidFill>
                 </a:defRPr>
               </a:pPr>
+              <a:endParaRPr/>
             </a:p>
           </p:txBody>
         </p:sp>
@@ -1541,7 +1563,7 @@
               </a:cxnLst>
               <a:rect l="0" t="0" r="r" b="b"/>
               <a:pathLst>
-                <a:path w="21600" h="21600" fill="norm" stroke="1" extrusionOk="0">
+                <a:path w="21600" h="21600" extrusionOk="0">
                   <a:moveTo>
                     <a:pt x="0" y="10800"/>
                   </a:moveTo>
@@ -1582,6 +1604,7 @@
                   </a:solidFill>
                 </a:defRPr>
               </a:pPr>
+              <a:endParaRPr/>
             </a:p>
           </p:txBody>
         </p:sp>
@@ -1616,7 +1639,7 @@
               </a:cxnLst>
               <a:rect l="0" t="0" r="r" b="b"/>
               <a:pathLst>
-                <a:path w="21600" h="21600" fill="norm" stroke="1" extrusionOk="0">
+                <a:path w="21600" h="21600" extrusionOk="0">
                   <a:moveTo>
                     <a:pt x="0" y="10800"/>
                   </a:moveTo>
@@ -1655,6 +1678,7 @@
                   </a:solidFill>
                 </a:defRPr>
               </a:pPr>
+              <a:endParaRPr/>
             </a:p>
           </p:txBody>
         </p:sp>
@@ -1689,7 +1713,7 @@
               </a:cxnLst>
               <a:rect l="0" t="0" r="r" b="b"/>
               <a:pathLst>
-                <a:path w="21600" h="21600" fill="norm" stroke="1" extrusionOk="0">
+                <a:path w="21600" h="21600" extrusionOk="0">
                   <a:moveTo>
                     <a:pt x="0" y="10800"/>
                   </a:moveTo>
@@ -1730,6 +1754,7 @@
                   </a:solidFill>
                 </a:defRPr>
               </a:pPr>
+              <a:endParaRPr/>
             </a:p>
           </p:txBody>
         </p:sp>
@@ -1764,7 +1789,7 @@
               </a:cxnLst>
               <a:rect l="0" t="0" r="r" b="b"/>
               <a:pathLst>
-                <a:path w="21600" h="21600" fill="norm" stroke="1" extrusionOk="0">
+                <a:path w="21600" h="21600" extrusionOk="0">
                   <a:moveTo>
                     <a:pt x="0" y="10800"/>
                   </a:moveTo>
@@ -1805,6 +1830,7 @@
                   </a:solidFill>
                 </a:defRPr>
               </a:pPr>
+              <a:endParaRPr/>
             </a:p>
           </p:txBody>
         </p:sp>
@@ -1839,7 +1865,7 @@
               </a:cxnLst>
               <a:rect l="0" t="0" r="r" b="b"/>
               <a:pathLst>
-                <a:path w="21600" h="21600" fill="norm" stroke="1" extrusionOk="0">
+                <a:path w="21600" h="21600" extrusionOk="0">
                   <a:moveTo>
                     <a:pt x="0" y="10800"/>
                   </a:moveTo>
@@ -1880,6 +1906,7 @@
                   </a:solidFill>
                 </a:defRPr>
               </a:pPr>
+              <a:endParaRPr/>
             </a:p>
           </p:txBody>
         </p:sp>
@@ -1914,7 +1941,7 @@
               </a:cxnLst>
               <a:rect l="0" t="0" r="r" b="b"/>
               <a:pathLst>
-                <a:path w="21600" h="21600" fill="norm" stroke="1" extrusionOk="0">
+                <a:path w="21600" h="21600" extrusionOk="0">
                   <a:moveTo>
                     <a:pt x="0" y="10800"/>
                   </a:moveTo>
@@ -1955,6 +1982,7 @@
                   </a:solidFill>
                 </a:defRPr>
               </a:pPr>
+              <a:endParaRPr/>
             </a:p>
           </p:txBody>
         </p:sp>
@@ -1989,7 +2017,7 @@
               </a:cxnLst>
               <a:rect l="0" t="0" r="r" b="b"/>
               <a:pathLst>
-                <a:path w="21600" h="21600" fill="norm" stroke="1" extrusionOk="0">
+                <a:path w="21600" h="21600" extrusionOk="0">
                   <a:moveTo>
                     <a:pt x="0" y="10800"/>
                   </a:moveTo>
@@ -2030,6 +2058,7 @@
                   </a:solidFill>
                 </a:defRPr>
               </a:pPr>
+              <a:endParaRPr/>
             </a:p>
           </p:txBody>
         </p:sp>
@@ -2064,7 +2093,7 @@
               </a:cxnLst>
               <a:rect l="0" t="0" r="r" b="b"/>
               <a:pathLst>
-                <a:path w="21600" h="21600" fill="norm" stroke="1" extrusionOk="0">
+                <a:path w="21600" h="21600" extrusionOk="0">
                   <a:moveTo>
                     <a:pt x="0" y="10800"/>
                   </a:moveTo>
@@ -2103,6 +2132,7 @@
                   </a:solidFill>
                 </a:defRPr>
               </a:pPr>
+              <a:endParaRPr/>
             </a:p>
           </p:txBody>
         </p:sp>
@@ -2137,7 +2167,7 @@
               </a:cxnLst>
               <a:rect l="0" t="0" r="r" b="b"/>
               <a:pathLst>
-                <a:path w="21600" h="21600" fill="norm" stroke="1" extrusionOk="0">
+                <a:path w="21600" h="21600" extrusionOk="0">
                   <a:moveTo>
                     <a:pt x="0" y="10800"/>
                   </a:moveTo>
@@ -2178,6 +2208,7 @@
                   </a:solidFill>
                 </a:defRPr>
               </a:pPr>
+              <a:endParaRPr/>
             </a:p>
           </p:txBody>
         </p:sp>
@@ -2212,7 +2243,7 @@
               </a:cxnLst>
               <a:rect l="0" t="0" r="r" b="b"/>
               <a:pathLst>
-                <a:path w="21600" h="21600" fill="norm" stroke="1" extrusionOk="0">
+                <a:path w="21600" h="21600" extrusionOk="0">
                   <a:moveTo>
                     <a:pt x="0" y="10800"/>
                   </a:moveTo>
@@ -2253,6 +2284,7 @@
                   </a:solidFill>
                 </a:defRPr>
               </a:pPr>
+              <a:endParaRPr/>
             </a:p>
           </p:txBody>
         </p:sp>
@@ -2287,7 +2319,7 @@
               </a:cxnLst>
               <a:rect l="0" t="0" r="r" b="b"/>
               <a:pathLst>
-                <a:path w="21600" h="21600" fill="norm" stroke="1" extrusionOk="0">
+                <a:path w="21600" h="21600" extrusionOk="0">
                   <a:moveTo>
                     <a:pt x="0" y="10800"/>
                   </a:moveTo>
@@ -2328,6 +2360,7 @@
                   </a:solidFill>
                 </a:defRPr>
               </a:pPr>
+              <a:endParaRPr/>
             </a:p>
           </p:txBody>
         </p:sp>
@@ -2362,7 +2395,7 @@
               </a:cxnLst>
               <a:rect l="0" t="0" r="r" b="b"/>
               <a:pathLst>
-                <a:path w="21600" h="21600" fill="norm" stroke="1" extrusionOk="0">
+                <a:path w="21600" h="21600" extrusionOk="0">
                   <a:moveTo>
                     <a:pt x="0" y="10800"/>
                   </a:moveTo>
@@ -2403,6 +2436,7 @@
                   </a:solidFill>
                 </a:defRPr>
               </a:pPr>
+              <a:endParaRPr/>
             </a:p>
           </p:txBody>
         </p:sp>
@@ -2410,7 +2444,9 @@
       <p:sp>
         <p:nvSpPr>
           <p:cNvPr id="171" name="Title Text"/>
-          <p:cNvSpPr txBox="1"/>
+          <p:cNvSpPr txBox="1">
+            <a:spLocks noGrp="1"/>
+          </p:cNvSpPr>
           <p:nvPr>
             <p:ph type="title"/>
           </p:nvPr>
@@ -2426,7 +2462,7 @@
         </p:spPr>
         <p:txBody>
           <a:bodyPr>
-            <a:normAutofit fontScale="100000" lnSpcReduction="0"/>
+            <a:normAutofit/>
           </a:bodyPr>
           <a:lstStyle>
             <a:lvl1pPr>
@@ -2434,7 +2470,6 @@
             </a:lvl1pPr>
           </a:lstStyle>
           <a:p>
-            <a:pPr/>
             <a:r>
               <a:t>Title Text</a:t>
             </a:r>
@@ -2444,7 +2479,9 @@
       <p:sp>
         <p:nvSpPr>
           <p:cNvPr id="172" name="Body Level One…"/>
-          <p:cNvSpPr txBox="1"/>
+          <p:cNvSpPr txBox="1">
+            <a:spLocks noGrp="1"/>
+          </p:cNvSpPr>
           <p:nvPr>
             <p:ph type="body" sz="quarter" idx="1"/>
           </p:nvPr>
@@ -2460,11 +2497,10 @@
         </p:spPr>
         <p:txBody>
           <a:bodyPr>
-            <a:normAutofit fontScale="100000" lnSpcReduction="0"/>
+            <a:normAutofit/>
           </a:bodyPr>
           <a:lstStyle/>
           <a:p>
-            <a:pPr/>
             <a:r>
               <a:t>Body Level One</a:t>
             </a:r>
@@ -2498,7 +2534,9 @@
       <p:sp>
         <p:nvSpPr>
           <p:cNvPr id="173" name="Slide Number"/>
-          <p:cNvSpPr txBox="1"/>
+          <p:cNvSpPr txBox="1">
+            <a:spLocks noGrp="1"/>
+          </p:cNvSpPr>
           <p:nvPr>
             <p:ph type="sldNum" sz="quarter" idx="2"/>
           </p:nvPr>
@@ -2512,8 +2550,10 @@
           <a:bodyPr/>
           <a:lstStyle/>
           <a:p>
-            <a:pPr/>
-            <a:fld id="{86CB4B4D-7CA3-9044-876B-883B54F8677D}" type="slidenum"/>
+            <a:fld id="{86CB4B4D-7CA3-9044-876B-883B54F8677D}" type="slidenum">
+              <a:t>‹#›</a:t>
+            </a:fld>
+            <a:endParaRPr/>
           </a:p>
         </p:txBody>
       </p:sp>
@@ -2522,12 +2562,12 @@
   <p:clrMapOvr>
     <a:masterClrMapping/>
   </p:clrMapOvr>
-  <p:transition xmlns:p14="http://schemas.microsoft.com/office/powerpoint/2010/main" spd="med" advClick="1"/>
+  <p:transition spd="med"/>
 </p:sldLayout>
 </file>
 
 <file path=ppt/slideLayouts/slideLayout11.xml><?xml version="1.0" encoding="utf-8"?>
-<p:sldLayout xmlns:a="http://schemas.openxmlformats.org/drawingml/2006/main" xmlns:r="http://schemas.openxmlformats.org/officeDocument/2006/relationships" xmlns:p="http://schemas.openxmlformats.org/presentationml/2006/main" xmlns:m="http://schemas.openxmlformats.org/officeDocument/2006/math" xmlns:a14="http://schemas.microsoft.com/office/drawing/2010/main" type="tx" showMasterSp="1" showMasterPhAnim="1">
+<p:sldLayout xmlns:a="http://schemas.openxmlformats.org/drawingml/2006/main" xmlns:r="http://schemas.openxmlformats.org/officeDocument/2006/relationships" xmlns:p="http://schemas.openxmlformats.org/presentationml/2006/main" type="tx">
   <p:cSld name="BLANK">
     <p:spTree>
       <p:nvGrpSpPr>
@@ -2546,7 +2586,9 @@
       <p:sp>
         <p:nvSpPr>
           <p:cNvPr id="180" name="Slide Number"/>
-          <p:cNvSpPr txBox="1"/>
+          <p:cNvSpPr txBox="1">
+            <a:spLocks noGrp="1"/>
+          </p:cNvSpPr>
           <p:nvPr>
             <p:ph type="sldNum" sz="quarter" idx="2"/>
           </p:nvPr>
@@ -2560,8 +2602,10 @@
           <a:bodyPr/>
           <a:lstStyle/>
           <a:p>
-            <a:pPr/>
-            <a:fld id="{86CB4B4D-7CA3-9044-876B-883B54F8677D}" type="slidenum"/>
+            <a:fld id="{86CB4B4D-7CA3-9044-876B-883B54F8677D}" type="slidenum">
+              <a:t>‹#›</a:t>
+            </a:fld>
+            <a:endParaRPr/>
           </a:p>
         </p:txBody>
       </p:sp>
@@ -2570,12 +2614,12 @@
   <p:clrMapOvr>
     <a:masterClrMapping/>
   </p:clrMapOvr>
-  <p:transition xmlns:p14="http://schemas.microsoft.com/office/powerpoint/2010/main" spd="med" advClick="1"/>
+  <p:transition spd="med"/>
 </p:sldLayout>
 </file>
 
 <file path=ppt/slideLayouts/slideLayout2.xml><?xml version="1.0" encoding="utf-8"?>
-<p:sldLayout xmlns:a="http://schemas.openxmlformats.org/drawingml/2006/main" xmlns:r="http://schemas.openxmlformats.org/officeDocument/2006/relationships" xmlns:p="http://schemas.openxmlformats.org/presentationml/2006/main" xmlns:m="http://schemas.openxmlformats.org/officeDocument/2006/math" xmlns:a14="http://schemas.microsoft.com/office/drawing/2010/main" type="tx" showMasterSp="1" showMasterPhAnim="1">
+<p:sldLayout xmlns:a="http://schemas.openxmlformats.org/drawingml/2006/main" xmlns:r="http://schemas.openxmlformats.org/officeDocument/2006/relationships" xmlns:p="http://schemas.openxmlformats.org/presentationml/2006/main" type="tx">
   <p:cSld name="SECTION_HEADER">
     <p:spTree>
       <p:nvGrpSpPr>
@@ -2636,7 +2680,7 @@
               </a:cxnLst>
               <a:rect l="0" t="0" r="r" b="b"/>
               <a:pathLst>
-                <a:path w="21600" h="21600" fill="norm" stroke="1" extrusionOk="0">
+                <a:path w="21600" h="21600" extrusionOk="0">
                   <a:moveTo>
                     <a:pt x="0" y="10685"/>
                   </a:moveTo>
@@ -2677,6 +2721,7 @@
                   </a:solidFill>
                 </a:defRPr>
               </a:pPr>
+              <a:endParaRPr/>
             </a:p>
           </p:txBody>
         </p:sp>
@@ -2711,7 +2756,7 @@
               </a:cxnLst>
               <a:rect l="0" t="0" r="r" b="b"/>
               <a:pathLst>
-                <a:path w="21600" h="21600" fill="norm" stroke="1" extrusionOk="0">
+                <a:path w="21600" h="21600" extrusionOk="0">
                   <a:moveTo>
                     <a:pt x="0" y="0"/>
                   </a:moveTo>
@@ -2749,6 +2794,7 @@
                   </a:solidFill>
                 </a:defRPr>
               </a:pPr>
+              <a:endParaRPr/>
             </a:p>
           </p:txBody>
         </p:sp>
@@ -2783,7 +2829,7 @@
               </a:cxnLst>
               <a:rect l="0" t="0" r="r" b="b"/>
               <a:pathLst>
-                <a:path w="21600" h="21600" fill="norm" stroke="1" extrusionOk="0">
+                <a:path w="21600" h="21600" extrusionOk="0">
                   <a:moveTo>
                     <a:pt x="0" y="10800"/>
                   </a:moveTo>
@@ -2824,6 +2870,7 @@
                   </a:solidFill>
                 </a:defRPr>
               </a:pPr>
+              <a:endParaRPr/>
             </a:p>
           </p:txBody>
         </p:sp>
@@ -2858,7 +2905,7 @@
               </a:cxnLst>
               <a:rect l="0" t="0" r="r" b="b"/>
               <a:pathLst>
-                <a:path w="21600" h="21600" fill="norm" stroke="1" extrusionOk="0">
+                <a:path w="21600" h="21600" extrusionOk="0">
                   <a:moveTo>
                     <a:pt x="0" y="10800"/>
                   </a:moveTo>
@@ -2899,6 +2946,7 @@
                   </a:solidFill>
                 </a:defRPr>
               </a:pPr>
+              <a:endParaRPr/>
             </a:p>
           </p:txBody>
         </p:sp>
@@ -2933,7 +2981,7 @@
               </a:cxnLst>
               <a:rect l="0" t="0" r="r" b="b"/>
               <a:pathLst>
-                <a:path w="21600" h="21600" fill="norm" stroke="1" extrusionOk="0">
+                <a:path w="21600" h="21600" extrusionOk="0">
                   <a:moveTo>
                     <a:pt x="0" y="10800"/>
                   </a:moveTo>
@@ -2974,6 +3022,7 @@
                   </a:solidFill>
                 </a:defRPr>
               </a:pPr>
+              <a:endParaRPr/>
             </a:p>
           </p:txBody>
         </p:sp>
@@ -3008,7 +3057,7 @@
               </a:cxnLst>
               <a:rect l="0" t="0" r="r" b="b"/>
               <a:pathLst>
-                <a:path w="21600" h="21600" fill="norm" stroke="1" extrusionOk="0">
+                <a:path w="21600" h="21600" extrusionOk="0">
                   <a:moveTo>
                     <a:pt x="0" y="10800"/>
                   </a:moveTo>
@@ -3049,6 +3098,7 @@
                   </a:solidFill>
                 </a:defRPr>
               </a:pPr>
+              <a:endParaRPr/>
             </a:p>
           </p:txBody>
         </p:sp>
@@ -3083,7 +3133,7 @@
               </a:cxnLst>
               <a:rect l="0" t="0" r="r" b="b"/>
               <a:pathLst>
-                <a:path w="21600" h="21600" fill="norm" stroke="1" extrusionOk="0">
+                <a:path w="21600" h="21600" extrusionOk="0">
                   <a:moveTo>
                     <a:pt x="0" y="10800"/>
                   </a:moveTo>
@@ -3124,6 +3174,7 @@
                   </a:solidFill>
                 </a:defRPr>
               </a:pPr>
+              <a:endParaRPr/>
             </a:p>
           </p:txBody>
         </p:sp>
@@ -3158,7 +3209,7 @@
               </a:cxnLst>
               <a:rect l="0" t="0" r="r" b="b"/>
               <a:pathLst>
-                <a:path w="21600" h="21600" fill="norm" stroke="1" extrusionOk="0">
+                <a:path w="21600" h="21600" extrusionOk="0">
                   <a:moveTo>
                     <a:pt x="0" y="10800"/>
                   </a:moveTo>
@@ -3197,6 +3248,7 @@
                   </a:solidFill>
                 </a:defRPr>
               </a:pPr>
+              <a:endParaRPr/>
             </a:p>
           </p:txBody>
         </p:sp>
@@ -3231,7 +3283,7 @@
               </a:cxnLst>
               <a:rect l="0" t="0" r="r" b="b"/>
               <a:pathLst>
-                <a:path w="21600" h="21600" fill="norm" stroke="1" extrusionOk="0">
+                <a:path w="21600" h="21600" extrusionOk="0">
                   <a:moveTo>
                     <a:pt x="0" y="10800"/>
                   </a:moveTo>
@@ -3272,6 +3324,7 @@
                   </a:solidFill>
                 </a:defRPr>
               </a:pPr>
+              <a:endParaRPr/>
             </a:p>
           </p:txBody>
         </p:sp>
@@ -3306,7 +3359,7 @@
               </a:cxnLst>
               <a:rect l="0" t="0" r="r" b="b"/>
               <a:pathLst>
-                <a:path w="21600" h="21600" fill="norm" stroke="1" extrusionOk="0">
+                <a:path w="21600" h="21600" extrusionOk="0">
                   <a:moveTo>
                     <a:pt x="0" y="10800"/>
                   </a:moveTo>
@@ -3347,6 +3400,7 @@
                   </a:solidFill>
                 </a:defRPr>
               </a:pPr>
+              <a:endParaRPr/>
             </a:p>
           </p:txBody>
         </p:sp>
@@ -3381,7 +3435,7 @@
               </a:cxnLst>
               <a:rect l="0" t="0" r="r" b="b"/>
               <a:pathLst>
-                <a:path w="21600" h="21600" fill="norm" stroke="1" extrusionOk="0">
+                <a:path w="21600" h="21600" extrusionOk="0">
                   <a:moveTo>
                     <a:pt x="0" y="10800"/>
                   </a:moveTo>
@@ -3422,6 +3476,7 @@
                   </a:solidFill>
                 </a:defRPr>
               </a:pPr>
+              <a:endParaRPr/>
             </a:p>
           </p:txBody>
         </p:sp>
@@ -3456,7 +3511,7 @@
               </a:cxnLst>
               <a:rect l="0" t="0" r="r" b="b"/>
               <a:pathLst>
-                <a:path w="21600" h="21600" fill="norm" stroke="1" extrusionOk="0">
+                <a:path w="21600" h="21600" extrusionOk="0">
                   <a:moveTo>
                     <a:pt x="0" y="10800"/>
                   </a:moveTo>
@@ -3497,6 +3552,7 @@
                   </a:solidFill>
                 </a:defRPr>
               </a:pPr>
+              <a:endParaRPr/>
             </a:p>
           </p:txBody>
         </p:sp>
@@ -3531,7 +3587,7 @@
               </a:cxnLst>
               <a:rect l="0" t="0" r="r" b="b"/>
               <a:pathLst>
-                <a:path w="21600" h="21600" fill="norm" stroke="1" extrusionOk="0">
+                <a:path w="21600" h="21600" extrusionOk="0">
                   <a:moveTo>
                     <a:pt x="0" y="10800"/>
                   </a:moveTo>
@@ -3572,6 +3628,7 @@
                   </a:solidFill>
                 </a:defRPr>
               </a:pPr>
+              <a:endParaRPr/>
             </a:p>
           </p:txBody>
         </p:sp>
@@ -3606,7 +3663,7 @@
               </a:cxnLst>
               <a:rect l="0" t="0" r="r" b="b"/>
               <a:pathLst>
-                <a:path w="21600" h="21600" fill="norm" stroke="1" extrusionOk="0">
+                <a:path w="21600" h="21600" extrusionOk="0">
                   <a:moveTo>
                     <a:pt x="0" y="10800"/>
                   </a:moveTo>
@@ -3645,6 +3702,7 @@
                   </a:solidFill>
                 </a:defRPr>
               </a:pPr>
+              <a:endParaRPr/>
             </a:p>
           </p:txBody>
         </p:sp>
@@ -3679,7 +3737,7 @@
               </a:cxnLst>
               <a:rect l="0" t="0" r="r" b="b"/>
               <a:pathLst>
-                <a:path w="21600" h="21600" fill="norm" stroke="1" extrusionOk="0">
+                <a:path w="21600" h="21600" extrusionOk="0">
                   <a:moveTo>
                     <a:pt x="0" y="10800"/>
                   </a:moveTo>
@@ -3720,6 +3778,7 @@
                   </a:solidFill>
                 </a:defRPr>
               </a:pPr>
+              <a:endParaRPr/>
             </a:p>
           </p:txBody>
         </p:sp>
@@ -3754,7 +3813,7 @@
               </a:cxnLst>
               <a:rect l="0" t="0" r="r" b="b"/>
               <a:pathLst>
-                <a:path w="21600" h="21600" fill="norm" stroke="1" extrusionOk="0">
+                <a:path w="21600" h="21600" extrusionOk="0">
                   <a:moveTo>
                     <a:pt x="0" y="10800"/>
                   </a:moveTo>
@@ -3795,6 +3854,7 @@
                   </a:solidFill>
                 </a:defRPr>
               </a:pPr>
+              <a:endParaRPr/>
             </a:p>
           </p:txBody>
         </p:sp>
@@ -3829,7 +3889,7 @@
               </a:cxnLst>
               <a:rect l="0" t="0" r="r" b="b"/>
               <a:pathLst>
-                <a:path w="21600" h="21600" fill="norm" stroke="1" extrusionOk="0">
+                <a:path w="21600" h="21600" extrusionOk="0">
                   <a:moveTo>
                     <a:pt x="0" y="10800"/>
                   </a:moveTo>
@@ -3870,6 +3930,7 @@
                   </a:solidFill>
                 </a:defRPr>
               </a:pPr>
+              <a:endParaRPr/>
             </a:p>
           </p:txBody>
         </p:sp>
@@ -3904,7 +3965,7 @@
               </a:cxnLst>
               <a:rect l="0" t="0" r="r" b="b"/>
               <a:pathLst>
-                <a:path w="21600" h="21600" fill="norm" stroke="1" extrusionOk="0">
+                <a:path w="21600" h="21600" extrusionOk="0">
                   <a:moveTo>
                     <a:pt x="0" y="10800"/>
                   </a:moveTo>
@@ -3945,6 +4006,7 @@
                   </a:solidFill>
                 </a:defRPr>
               </a:pPr>
+              <a:endParaRPr/>
             </a:p>
           </p:txBody>
         </p:sp>
@@ -3952,7 +4014,9 @@
       <p:sp>
         <p:nvSpPr>
           <p:cNvPr id="45" name="Title Text"/>
-          <p:cNvSpPr txBox="1"/>
+          <p:cNvSpPr txBox="1">
+            <a:spLocks noGrp="1"/>
+          </p:cNvSpPr>
           <p:nvPr>
             <p:ph type="title"/>
           </p:nvPr>
@@ -3968,11 +4032,10 @@
         </p:spPr>
         <p:txBody>
           <a:bodyPr anchor="ctr">
-            <a:normAutofit fontScale="100000" lnSpcReduction="0"/>
+            <a:normAutofit/>
           </a:bodyPr>
           <a:lstStyle/>
           <a:p>
-            <a:pPr/>
             <a:r>
               <a:t>Title Text</a:t>
             </a:r>
@@ -3982,7 +4045,9 @@
       <p:sp>
         <p:nvSpPr>
           <p:cNvPr id="46" name="Slide Number"/>
-          <p:cNvSpPr txBox="1"/>
+          <p:cNvSpPr txBox="1">
+            <a:spLocks noGrp="1"/>
+          </p:cNvSpPr>
           <p:nvPr>
             <p:ph type="sldNum" sz="quarter" idx="2"/>
           </p:nvPr>
@@ -3996,8 +4061,10 @@
           <a:bodyPr/>
           <a:lstStyle/>
           <a:p>
-            <a:pPr/>
-            <a:fld id="{86CB4B4D-7CA3-9044-876B-883B54F8677D}" type="slidenum"/>
+            <a:fld id="{86CB4B4D-7CA3-9044-876B-883B54F8677D}" type="slidenum">
+              <a:t>‹#›</a:t>
+            </a:fld>
+            <a:endParaRPr/>
           </a:p>
         </p:txBody>
       </p:sp>
@@ -4006,12 +4073,12 @@
   <p:clrMapOvr>
     <a:masterClrMapping/>
   </p:clrMapOvr>
-  <p:transition xmlns:p14="http://schemas.microsoft.com/office/powerpoint/2010/main" spd="med" advClick="1"/>
+  <p:transition spd="med"/>
 </p:sldLayout>
 </file>
 
 <file path=ppt/slideLayouts/slideLayout3.xml><?xml version="1.0" encoding="utf-8"?>
-<p:sldLayout xmlns:a="http://schemas.openxmlformats.org/drawingml/2006/main" xmlns:r="http://schemas.openxmlformats.org/officeDocument/2006/relationships" xmlns:p="http://schemas.openxmlformats.org/presentationml/2006/main" xmlns:m="http://schemas.openxmlformats.org/officeDocument/2006/math" xmlns:a14="http://schemas.microsoft.com/office/drawing/2010/main" type="tx" showMasterSp="1" showMasterPhAnim="1">
+<p:sldLayout xmlns:a="http://schemas.openxmlformats.org/drawingml/2006/main" xmlns:r="http://schemas.openxmlformats.org/officeDocument/2006/relationships" xmlns:p="http://schemas.openxmlformats.org/presentationml/2006/main" type="tx">
   <p:cSld name="TITLE_AND_BODY">
     <p:spTree>
       <p:nvGrpSpPr>
@@ -4072,7 +4139,7 @@
               </a:cxnLst>
               <a:rect l="0" t="0" r="r" b="b"/>
               <a:pathLst>
-                <a:path w="21600" h="21600" fill="norm" stroke="1" extrusionOk="0">
+                <a:path w="21600" h="21600" extrusionOk="0">
                   <a:moveTo>
                     <a:pt x="0" y="10800"/>
                   </a:moveTo>
@@ -4111,6 +4178,7 @@
                   </a:solidFill>
                 </a:defRPr>
               </a:pPr>
+              <a:endParaRPr/>
             </a:p>
           </p:txBody>
         </p:sp>
@@ -4145,7 +4213,7 @@
               </a:cxnLst>
               <a:rect l="0" t="0" r="r" b="b"/>
               <a:pathLst>
-                <a:path w="21600" h="21600" fill="norm" stroke="1" extrusionOk="0">
+                <a:path w="21600" h="21600" extrusionOk="0">
                   <a:moveTo>
                     <a:pt x="0" y="10800"/>
                   </a:moveTo>
@@ -4184,6 +4252,7 @@
                   </a:solidFill>
                 </a:defRPr>
               </a:pPr>
+              <a:endParaRPr/>
             </a:p>
           </p:txBody>
         </p:sp>
@@ -4191,7 +4260,9 @@
       <p:sp>
         <p:nvSpPr>
           <p:cNvPr id="56" name="Title Text"/>
-          <p:cNvSpPr txBox="1"/>
+          <p:cNvSpPr txBox="1">
+            <a:spLocks noGrp="1"/>
+          </p:cNvSpPr>
           <p:nvPr>
             <p:ph type="title"/>
           </p:nvPr>
@@ -4207,7 +4278,7 @@
         </p:spPr>
         <p:txBody>
           <a:bodyPr>
-            <a:normAutofit fontScale="100000" lnSpcReduction="0"/>
+            <a:normAutofit/>
           </a:bodyPr>
           <a:lstStyle>
             <a:lvl1pPr>
@@ -4215,7 +4286,6 @@
             </a:lvl1pPr>
           </a:lstStyle>
           <a:p>
-            <a:pPr/>
             <a:r>
               <a:t>Title Text</a:t>
             </a:r>
@@ -4225,7 +4295,9 @@
       <p:sp>
         <p:nvSpPr>
           <p:cNvPr id="57" name="Body Level One…"/>
-          <p:cNvSpPr txBox="1"/>
+          <p:cNvSpPr txBox="1">
+            <a:spLocks noGrp="1"/>
+          </p:cNvSpPr>
           <p:nvPr>
             <p:ph type="body" idx="1"/>
           </p:nvPr>
@@ -4241,11 +4313,10 @@
         </p:spPr>
         <p:txBody>
           <a:bodyPr>
-            <a:normAutofit fontScale="100000" lnSpcReduction="0"/>
+            <a:normAutofit/>
           </a:bodyPr>
           <a:lstStyle/>
           <a:p>
-            <a:pPr/>
             <a:r>
               <a:t>Body Level One</a:t>
             </a:r>
@@ -4279,7 +4350,9 @@
       <p:sp>
         <p:nvSpPr>
           <p:cNvPr id="58" name="Slide Number"/>
-          <p:cNvSpPr txBox="1"/>
+          <p:cNvSpPr txBox="1">
+            <a:spLocks noGrp="1"/>
+          </p:cNvSpPr>
           <p:nvPr>
             <p:ph type="sldNum" sz="quarter" idx="2"/>
           </p:nvPr>
@@ -4293,8 +4366,10 @@
           <a:bodyPr/>
           <a:lstStyle/>
           <a:p>
-            <a:pPr/>
-            <a:fld id="{86CB4B4D-7CA3-9044-876B-883B54F8677D}" type="slidenum"/>
+            <a:fld id="{86CB4B4D-7CA3-9044-876B-883B54F8677D}" type="slidenum">
+              <a:t>‹#›</a:t>
+            </a:fld>
+            <a:endParaRPr/>
           </a:p>
         </p:txBody>
       </p:sp>
@@ -4303,12 +4378,12 @@
   <p:clrMapOvr>
     <a:masterClrMapping/>
   </p:clrMapOvr>
-  <p:transition xmlns:p14="http://schemas.microsoft.com/office/powerpoint/2010/main" spd="med" advClick="1"/>
+  <p:transition spd="med"/>
 </p:sldLayout>
 </file>
 
 <file path=ppt/slideLayouts/slideLayout4.xml><?xml version="1.0" encoding="utf-8"?>
-<p:sldLayout xmlns:a="http://schemas.openxmlformats.org/drawingml/2006/main" xmlns:r="http://schemas.openxmlformats.org/officeDocument/2006/relationships" xmlns:p="http://schemas.openxmlformats.org/presentationml/2006/main" xmlns:m="http://schemas.openxmlformats.org/officeDocument/2006/math" xmlns:a14="http://schemas.microsoft.com/office/drawing/2010/main" type="tx" showMasterSp="1" showMasterPhAnim="1">
+<p:sldLayout xmlns:a="http://schemas.openxmlformats.org/drawingml/2006/main" xmlns:r="http://schemas.openxmlformats.org/officeDocument/2006/relationships" xmlns:p="http://schemas.openxmlformats.org/presentationml/2006/main" type="tx">
   <p:cSld name="TITLE_AND_TWO_COLUMNS">
     <p:spTree>
       <p:nvGrpSpPr>
@@ -4369,7 +4444,7 @@
               </a:cxnLst>
               <a:rect l="0" t="0" r="r" b="b"/>
               <a:pathLst>
-                <a:path w="21600" h="21600" fill="norm" stroke="1" extrusionOk="0">
+                <a:path w="21600" h="21600" extrusionOk="0">
                   <a:moveTo>
                     <a:pt x="0" y="10800"/>
                   </a:moveTo>
@@ -4408,6 +4483,7 @@
                   </a:solidFill>
                 </a:defRPr>
               </a:pPr>
+              <a:endParaRPr/>
             </a:p>
           </p:txBody>
         </p:sp>
@@ -4442,7 +4518,7 @@
               </a:cxnLst>
               <a:rect l="0" t="0" r="r" b="b"/>
               <a:pathLst>
-                <a:path w="21600" h="21600" fill="norm" stroke="1" extrusionOk="0">
+                <a:path w="21600" h="21600" extrusionOk="0">
                   <a:moveTo>
                     <a:pt x="0" y="10800"/>
                   </a:moveTo>
@@ -4481,6 +4557,7 @@
                   </a:solidFill>
                 </a:defRPr>
               </a:pPr>
+              <a:endParaRPr/>
             </a:p>
           </p:txBody>
         </p:sp>
@@ -4488,7 +4565,9 @@
       <p:sp>
         <p:nvSpPr>
           <p:cNvPr id="68" name="Title Text"/>
-          <p:cNvSpPr txBox="1"/>
+          <p:cNvSpPr txBox="1">
+            <a:spLocks noGrp="1"/>
+          </p:cNvSpPr>
           <p:nvPr>
             <p:ph type="title"/>
           </p:nvPr>
@@ -4504,7 +4583,7 @@
         </p:spPr>
         <p:txBody>
           <a:bodyPr>
-            <a:normAutofit fontScale="100000" lnSpcReduction="0"/>
+            <a:normAutofit/>
           </a:bodyPr>
           <a:lstStyle>
             <a:lvl1pPr>
@@ -4512,7 +4591,6 @@
             </a:lvl1pPr>
           </a:lstStyle>
           <a:p>
-            <a:pPr/>
             <a:r>
               <a:t>Title Text</a:t>
             </a:r>
@@ -4522,7 +4600,9 @@
       <p:sp>
         <p:nvSpPr>
           <p:cNvPr id="69" name="Body Level One…"/>
-          <p:cNvSpPr txBox="1"/>
+          <p:cNvSpPr txBox="1">
+            <a:spLocks noGrp="1"/>
+          </p:cNvSpPr>
           <p:nvPr>
             <p:ph type="body" sz="half" idx="1"/>
           </p:nvPr>
@@ -4538,11 +4618,10 @@
         </p:spPr>
         <p:txBody>
           <a:bodyPr>
-            <a:normAutofit fontScale="100000" lnSpcReduction="0"/>
+            <a:normAutofit/>
           </a:bodyPr>
           <a:lstStyle/>
           <a:p>
-            <a:pPr/>
             <a:r>
               <a:t>Body Level One</a:t>
             </a:r>
@@ -4576,7 +4655,9 @@
       <p:sp>
         <p:nvSpPr>
           <p:cNvPr id="70" name="Google Shape;54;p5"/>
-          <p:cNvSpPr txBox="1"/>
+          <p:cNvSpPr txBox="1">
+            <a:spLocks noGrp="1"/>
+          </p:cNvSpPr>
           <p:nvPr>
             <p:ph type="body" sz="half" idx="13"/>
           </p:nvPr>
@@ -4592,18 +4673,20 @@
         </p:spPr>
         <p:txBody>
           <a:bodyPr>
-            <a:normAutofit fontScale="100000" lnSpcReduction="0"/>
+            <a:normAutofit/>
           </a:bodyPr>
           <a:lstStyle/>
           <a:p>
-            <a:pPr/>
+            <a:endParaRPr/>
           </a:p>
         </p:txBody>
       </p:sp>
       <p:sp>
         <p:nvSpPr>
           <p:cNvPr id="71" name="Slide Number"/>
-          <p:cNvSpPr txBox="1"/>
+          <p:cNvSpPr txBox="1">
+            <a:spLocks noGrp="1"/>
+          </p:cNvSpPr>
           <p:nvPr>
             <p:ph type="sldNum" sz="quarter" idx="2"/>
           </p:nvPr>
@@ -4617,8 +4700,10 @@
           <a:bodyPr/>
           <a:lstStyle/>
           <a:p>
-            <a:pPr/>
-            <a:fld id="{86CB4B4D-7CA3-9044-876B-883B54F8677D}" type="slidenum"/>
+            <a:fld id="{86CB4B4D-7CA3-9044-876B-883B54F8677D}" type="slidenum">
+              <a:t>‹#›</a:t>
+            </a:fld>
+            <a:endParaRPr/>
           </a:p>
         </p:txBody>
       </p:sp>
@@ -4627,12 +4712,12 @@
   <p:clrMapOvr>
     <a:masterClrMapping/>
   </p:clrMapOvr>
-  <p:transition xmlns:p14="http://schemas.microsoft.com/office/powerpoint/2010/main" spd="med" advClick="1"/>
+  <p:transition spd="med"/>
 </p:sldLayout>
 </file>
 
 <file path=ppt/slideLayouts/slideLayout5.xml><?xml version="1.0" encoding="utf-8"?>
-<p:sldLayout xmlns:a="http://schemas.openxmlformats.org/drawingml/2006/main" xmlns:r="http://schemas.openxmlformats.org/officeDocument/2006/relationships" xmlns:p="http://schemas.openxmlformats.org/presentationml/2006/main" xmlns:m="http://schemas.openxmlformats.org/officeDocument/2006/math" xmlns:a14="http://schemas.microsoft.com/office/drawing/2010/main" type="tx" showMasterSp="1" showMasterPhAnim="1">
+<p:sldLayout xmlns:a="http://schemas.openxmlformats.org/drawingml/2006/main" xmlns:r="http://schemas.openxmlformats.org/officeDocument/2006/relationships" xmlns:p="http://schemas.openxmlformats.org/presentationml/2006/main" type="tx">
   <p:cSld name="TITLE_ONLY">
     <p:spTree>
       <p:nvGrpSpPr>
@@ -4693,7 +4778,7 @@
               </a:cxnLst>
               <a:rect l="0" t="0" r="r" b="b"/>
               <a:pathLst>
-                <a:path w="21600" h="21600" fill="norm" stroke="1" extrusionOk="0">
+                <a:path w="21600" h="21600" extrusionOk="0">
                   <a:moveTo>
                     <a:pt x="0" y="10800"/>
                   </a:moveTo>
@@ -4732,6 +4817,7 @@
                   </a:solidFill>
                 </a:defRPr>
               </a:pPr>
+              <a:endParaRPr/>
             </a:p>
           </p:txBody>
         </p:sp>
@@ -4766,7 +4852,7 @@
               </a:cxnLst>
               <a:rect l="0" t="0" r="r" b="b"/>
               <a:pathLst>
-                <a:path w="21600" h="21600" fill="norm" stroke="1" extrusionOk="0">
+                <a:path w="21600" h="21600" extrusionOk="0">
                   <a:moveTo>
                     <a:pt x="0" y="10800"/>
                   </a:moveTo>
@@ -4805,6 +4891,7 @@
                   </a:solidFill>
                 </a:defRPr>
               </a:pPr>
+              <a:endParaRPr/>
             </a:p>
           </p:txBody>
         </p:sp>
@@ -4812,7 +4899,9 @@
       <p:sp>
         <p:nvSpPr>
           <p:cNvPr id="81" name="Title Text"/>
-          <p:cNvSpPr txBox="1"/>
+          <p:cNvSpPr txBox="1">
+            <a:spLocks noGrp="1"/>
+          </p:cNvSpPr>
           <p:nvPr>
             <p:ph type="title"/>
           </p:nvPr>
@@ -4828,7 +4917,7 @@
         </p:spPr>
         <p:txBody>
           <a:bodyPr>
-            <a:normAutofit fontScale="100000" lnSpcReduction="0"/>
+            <a:normAutofit/>
           </a:bodyPr>
           <a:lstStyle>
             <a:lvl1pPr>
@@ -4836,7 +4925,6 @@
             </a:lvl1pPr>
           </a:lstStyle>
           <a:p>
-            <a:pPr/>
             <a:r>
               <a:t>Title Text</a:t>
             </a:r>
@@ -4846,7 +4934,9 @@
       <p:sp>
         <p:nvSpPr>
           <p:cNvPr id="82" name="Slide Number"/>
-          <p:cNvSpPr txBox="1"/>
+          <p:cNvSpPr txBox="1">
+            <a:spLocks noGrp="1"/>
+          </p:cNvSpPr>
           <p:nvPr>
             <p:ph type="sldNum" sz="quarter" idx="2"/>
           </p:nvPr>
@@ -4860,8 +4950,10 @@
           <a:bodyPr/>
           <a:lstStyle/>
           <a:p>
-            <a:pPr/>
-            <a:fld id="{86CB4B4D-7CA3-9044-876B-883B54F8677D}" type="slidenum"/>
+            <a:fld id="{86CB4B4D-7CA3-9044-876B-883B54F8677D}" type="slidenum">
+              <a:t>‹#›</a:t>
+            </a:fld>
+            <a:endParaRPr/>
           </a:p>
         </p:txBody>
       </p:sp>
@@ -4870,12 +4962,12 @@
   <p:clrMapOvr>
     <a:masterClrMapping/>
   </p:clrMapOvr>
-  <p:transition xmlns:p14="http://schemas.microsoft.com/office/powerpoint/2010/main" spd="med" advClick="1"/>
+  <p:transition spd="med"/>
 </p:sldLayout>
 </file>
 
 <file path=ppt/slideLayouts/slideLayout6.xml><?xml version="1.0" encoding="utf-8"?>
-<p:sldLayout xmlns:a="http://schemas.openxmlformats.org/drawingml/2006/main" xmlns:r="http://schemas.openxmlformats.org/officeDocument/2006/relationships" xmlns:p="http://schemas.openxmlformats.org/presentationml/2006/main" xmlns:m="http://schemas.openxmlformats.org/officeDocument/2006/math" xmlns:a14="http://schemas.microsoft.com/office/drawing/2010/main" type="tx" showMasterSp="1" showMasterPhAnim="1">
+<p:sldLayout xmlns:a="http://schemas.openxmlformats.org/drawingml/2006/main" xmlns:r="http://schemas.openxmlformats.org/officeDocument/2006/relationships" xmlns:p="http://schemas.openxmlformats.org/presentationml/2006/main" type="tx">
   <p:cSld name="ONE_COLUMN_TEXT">
     <p:spTree>
       <p:nvGrpSpPr>
@@ -4936,7 +5028,7 @@
               </a:cxnLst>
               <a:rect l="0" t="0" r="r" b="b"/>
               <a:pathLst>
-                <a:path w="21600" h="21600" fill="norm" stroke="1" extrusionOk="0">
+                <a:path w="21600" h="21600" extrusionOk="0">
                   <a:moveTo>
                     <a:pt x="0" y="10800"/>
                   </a:moveTo>
@@ -4975,6 +5067,7 @@
                   </a:solidFill>
                 </a:defRPr>
               </a:pPr>
+              <a:endParaRPr/>
             </a:p>
           </p:txBody>
         </p:sp>
@@ -5009,7 +5102,7 @@
               </a:cxnLst>
               <a:rect l="0" t="0" r="r" b="b"/>
               <a:pathLst>
-                <a:path w="21600" h="21600" fill="norm" stroke="1" extrusionOk="0">
+                <a:path w="21600" h="21600" extrusionOk="0">
                   <a:moveTo>
                     <a:pt x="0" y="10800"/>
                   </a:moveTo>
@@ -5048,6 +5141,7 @@
                   </a:solidFill>
                 </a:defRPr>
               </a:pPr>
+              <a:endParaRPr/>
             </a:p>
           </p:txBody>
         </p:sp>
@@ -5055,7 +5149,9 @@
       <p:sp>
         <p:nvSpPr>
           <p:cNvPr id="92" name="Title Text"/>
-          <p:cNvSpPr txBox="1"/>
+          <p:cNvSpPr txBox="1">
+            <a:spLocks noGrp="1"/>
+          </p:cNvSpPr>
           <p:nvPr>
             <p:ph type="title"/>
           </p:nvPr>
@@ -5071,7 +5167,7 @@
         </p:spPr>
         <p:txBody>
           <a:bodyPr>
-            <a:normAutofit fontScale="100000" lnSpcReduction="0"/>
+            <a:normAutofit/>
           </a:bodyPr>
           <a:lstStyle>
             <a:lvl1pPr>
@@ -5079,7 +5175,6 @@
             </a:lvl1pPr>
           </a:lstStyle>
           <a:p>
-            <a:pPr/>
             <a:r>
               <a:t>Title Text</a:t>
             </a:r>
@@ -5089,7 +5184,9 @@
       <p:sp>
         <p:nvSpPr>
           <p:cNvPr id="93" name="Body Level One…"/>
-          <p:cNvSpPr txBox="1"/>
+          <p:cNvSpPr txBox="1">
+            <a:spLocks noGrp="1"/>
+          </p:cNvSpPr>
           <p:nvPr>
             <p:ph type="body" sz="quarter" idx="1"/>
           </p:nvPr>
@@ -5105,11 +5202,10 @@
         </p:spPr>
         <p:txBody>
           <a:bodyPr>
-            <a:normAutofit fontScale="100000" lnSpcReduction="0"/>
+            <a:normAutofit/>
           </a:bodyPr>
           <a:lstStyle/>
           <a:p>
-            <a:pPr/>
             <a:r>
               <a:t>Body Level One</a:t>
             </a:r>
@@ -5143,7 +5239,9 @@
       <p:sp>
         <p:nvSpPr>
           <p:cNvPr id="94" name="Slide Number"/>
-          <p:cNvSpPr txBox="1"/>
+          <p:cNvSpPr txBox="1">
+            <a:spLocks noGrp="1"/>
+          </p:cNvSpPr>
           <p:nvPr>
             <p:ph type="sldNum" sz="quarter" idx="2"/>
           </p:nvPr>
@@ -5157,8 +5255,10 @@
           <a:bodyPr/>
           <a:lstStyle/>
           <a:p>
-            <a:pPr/>
-            <a:fld id="{86CB4B4D-7CA3-9044-876B-883B54F8677D}" type="slidenum"/>
+            <a:fld id="{86CB4B4D-7CA3-9044-876B-883B54F8677D}" type="slidenum">
+              <a:t>‹#›</a:t>
+            </a:fld>
+            <a:endParaRPr/>
           </a:p>
         </p:txBody>
       </p:sp>
@@ -5167,12 +5267,12 @@
   <p:clrMapOvr>
     <a:masterClrMapping/>
   </p:clrMapOvr>
-  <p:transition xmlns:p14="http://schemas.microsoft.com/office/powerpoint/2010/main" spd="med" advClick="1"/>
+  <p:transition spd="med"/>
 </p:sldLayout>
 </file>
 
 <file path=ppt/slideLayouts/slideLayout7.xml><?xml version="1.0" encoding="utf-8"?>
-<p:sldLayout xmlns:a="http://schemas.openxmlformats.org/drawingml/2006/main" xmlns:r="http://schemas.openxmlformats.org/officeDocument/2006/relationships" xmlns:p="http://schemas.openxmlformats.org/presentationml/2006/main" xmlns:m="http://schemas.openxmlformats.org/officeDocument/2006/math" xmlns:a14="http://schemas.microsoft.com/office/drawing/2010/main" type="tx" showMasterSp="1" showMasterPhAnim="1">
+<p:sldLayout xmlns:a="http://schemas.openxmlformats.org/drawingml/2006/main" xmlns:r="http://schemas.openxmlformats.org/officeDocument/2006/relationships" xmlns:p="http://schemas.openxmlformats.org/presentationml/2006/main" type="tx">
   <p:cSld name="MAIN_POINT">
     <p:spTree>
       <p:nvGrpSpPr>
@@ -5233,7 +5333,7 @@
               </a:cxnLst>
               <a:rect l="0" t="0" r="r" b="b"/>
               <a:pathLst>
-                <a:path w="21600" h="21600" fill="norm" stroke="1" extrusionOk="0">
+                <a:path w="21600" h="21600" extrusionOk="0">
                   <a:moveTo>
                     <a:pt x="0" y="10685"/>
                   </a:moveTo>
@@ -5274,6 +5374,7 @@
                   </a:solidFill>
                 </a:defRPr>
               </a:pPr>
+              <a:endParaRPr/>
             </a:p>
           </p:txBody>
         </p:sp>
@@ -5308,7 +5409,7 @@
               </a:cxnLst>
               <a:rect l="0" t="0" r="r" b="b"/>
               <a:pathLst>
-                <a:path w="21600" h="21600" fill="norm" stroke="1" extrusionOk="0">
+                <a:path w="21600" h="21600" extrusionOk="0">
                   <a:moveTo>
                     <a:pt x="0" y="0"/>
                   </a:moveTo>
@@ -5346,6 +5447,7 @@
                   </a:solidFill>
                 </a:defRPr>
               </a:pPr>
+              <a:endParaRPr/>
             </a:p>
           </p:txBody>
         </p:sp>
@@ -5380,7 +5482,7 @@
               </a:cxnLst>
               <a:rect l="0" t="0" r="r" b="b"/>
               <a:pathLst>
-                <a:path w="21600" h="21600" fill="norm" stroke="1" extrusionOk="0">
+                <a:path w="21600" h="21600" extrusionOk="0">
                   <a:moveTo>
                     <a:pt x="0" y="10800"/>
                   </a:moveTo>
@@ -5421,6 +5523,7 @@
                   </a:solidFill>
                 </a:defRPr>
               </a:pPr>
+              <a:endParaRPr/>
             </a:p>
           </p:txBody>
         </p:sp>
@@ -5455,7 +5558,7 @@
               </a:cxnLst>
               <a:rect l="0" t="0" r="r" b="b"/>
               <a:pathLst>
-                <a:path w="21600" h="21600" fill="norm" stroke="1" extrusionOk="0">
+                <a:path w="21600" h="21600" extrusionOk="0">
                   <a:moveTo>
                     <a:pt x="0" y="10800"/>
                   </a:moveTo>
@@ -5496,6 +5599,7 @@
                   </a:solidFill>
                 </a:defRPr>
               </a:pPr>
+              <a:endParaRPr/>
             </a:p>
           </p:txBody>
         </p:sp>
@@ -5530,7 +5634,7 @@
               </a:cxnLst>
               <a:rect l="0" t="0" r="r" b="b"/>
               <a:pathLst>
-                <a:path w="21600" h="21600" fill="norm" stroke="1" extrusionOk="0">
+                <a:path w="21600" h="21600" extrusionOk="0">
                   <a:moveTo>
                     <a:pt x="0" y="10800"/>
                   </a:moveTo>
@@ -5571,6 +5675,7 @@
                   </a:solidFill>
                 </a:defRPr>
               </a:pPr>
+              <a:endParaRPr/>
             </a:p>
           </p:txBody>
         </p:sp>
@@ -5605,7 +5710,7 @@
               </a:cxnLst>
               <a:rect l="0" t="0" r="r" b="b"/>
               <a:pathLst>
-                <a:path w="21600" h="21600" fill="norm" stroke="1" extrusionOk="0">
+                <a:path w="21600" h="21600" extrusionOk="0">
                   <a:moveTo>
                     <a:pt x="0" y="10800"/>
                   </a:moveTo>
@@ -5646,6 +5751,7 @@
                   </a:solidFill>
                 </a:defRPr>
               </a:pPr>
+              <a:endParaRPr/>
             </a:p>
           </p:txBody>
         </p:sp>
@@ -5680,7 +5786,7 @@
               </a:cxnLst>
               <a:rect l="0" t="0" r="r" b="b"/>
               <a:pathLst>
-                <a:path w="21600" h="21600" fill="norm" stroke="1" extrusionOk="0">
+                <a:path w="21600" h="21600" extrusionOk="0">
                   <a:moveTo>
                     <a:pt x="0" y="10800"/>
                   </a:moveTo>
@@ -5721,6 +5827,7 @@
                   </a:solidFill>
                 </a:defRPr>
               </a:pPr>
+              <a:endParaRPr/>
             </a:p>
           </p:txBody>
         </p:sp>
@@ -5755,7 +5862,7 @@
               </a:cxnLst>
               <a:rect l="0" t="0" r="r" b="b"/>
               <a:pathLst>
-                <a:path w="21600" h="21600" fill="norm" stroke="1" extrusionOk="0">
+                <a:path w="21600" h="21600" extrusionOk="0">
                   <a:moveTo>
                     <a:pt x="0" y="10800"/>
                   </a:moveTo>
@@ -5794,6 +5901,7 @@
                   </a:solidFill>
                 </a:defRPr>
               </a:pPr>
+              <a:endParaRPr/>
             </a:p>
           </p:txBody>
         </p:sp>
@@ -5828,7 +5936,7 @@
               </a:cxnLst>
               <a:rect l="0" t="0" r="r" b="b"/>
               <a:pathLst>
-                <a:path w="21600" h="21600" fill="norm" stroke="1" extrusionOk="0">
+                <a:path w="21600" h="21600" extrusionOk="0">
                   <a:moveTo>
                     <a:pt x="0" y="10800"/>
                   </a:moveTo>
@@ -5869,6 +5977,7 @@
                   </a:solidFill>
                 </a:defRPr>
               </a:pPr>
+              <a:endParaRPr/>
             </a:p>
           </p:txBody>
         </p:sp>
@@ -5903,7 +6012,7 @@
               </a:cxnLst>
               <a:rect l="0" t="0" r="r" b="b"/>
               <a:pathLst>
-                <a:path w="21600" h="21600" fill="norm" stroke="1" extrusionOk="0">
+                <a:path w="21600" h="21600" extrusionOk="0">
                   <a:moveTo>
                     <a:pt x="0" y="10800"/>
                   </a:moveTo>
@@ -5944,6 +6053,7 @@
                   </a:solidFill>
                 </a:defRPr>
               </a:pPr>
+              <a:endParaRPr/>
             </a:p>
           </p:txBody>
         </p:sp>
@@ -5978,7 +6088,7 @@
               </a:cxnLst>
               <a:rect l="0" t="0" r="r" b="b"/>
               <a:pathLst>
-                <a:path w="21600" h="21600" fill="norm" stroke="1" extrusionOk="0">
+                <a:path w="21600" h="21600" extrusionOk="0">
                   <a:moveTo>
                     <a:pt x="0" y="10800"/>
                   </a:moveTo>
@@ -6019,6 +6129,7 @@
                   </a:solidFill>
                 </a:defRPr>
               </a:pPr>
+              <a:endParaRPr/>
             </a:p>
           </p:txBody>
         </p:sp>
@@ -6053,7 +6164,7 @@
               </a:cxnLst>
               <a:rect l="0" t="0" r="r" b="b"/>
               <a:pathLst>
-                <a:path w="21600" h="21600" fill="norm" stroke="1" extrusionOk="0">
+                <a:path w="21600" h="21600" extrusionOk="0">
                   <a:moveTo>
                     <a:pt x="0" y="10800"/>
                   </a:moveTo>
@@ -6094,6 +6205,7 @@
                   </a:solidFill>
                 </a:defRPr>
               </a:pPr>
+              <a:endParaRPr/>
             </a:p>
           </p:txBody>
         </p:sp>
@@ -6128,7 +6240,7 @@
               </a:cxnLst>
               <a:rect l="0" t="0" r="r" b="b"/>
               <a:pathLst>
-                <a:path w="21600" h="21600" fill="norm" stroke="1" extrusionOk="0">
+                <a:path w="21600" h="21600" extrusionOk="0">
                   <a:moveTo>
                     <a:pt x="0" y="10800"/>
                   </a:moveTo>
@@ -6169,6 +6281,7 @@
                   </a:solidFill>
                 </a:defRPr>
               </a:pPr>
+              <a:endParaRPr/>
             </a:p>
           </p:txBody>
         </p:sp>
@@ -6203,7 +6316,7 @@
               </a:cxnLst>
               <a:rect l="0" t="0" r="r" b="b"/>
               <a:pathLst>
-                <a:path w="21600" h="21600" fill="norm" stroke="1" extrusionOk="0">
+                <a:path w="21600" h="21600" extrusionOk="0">
                   <a:moveTo>
                     <a:pt x="0" y="10800"/>
                   </a:moveTo>
@@ -6242,6 +6355,7 @@
                   </a:solidFill>
                 </a:defRPr>
               </a:pPr>
+              <a:endParaRPr/>
             </a:p>
           </p:txBody>
         </p:sp>
@@ -6276,7 +6390,7 @@
               </a:cxnLst>
               <a:rect l="0" t="0" r="r" b="b"/>
               <a:pathLst>
-                <a:path w="21600" h="21600" fill="norm" stroke="1" extrusionOk="0">
+                <a:path w="21600" h="21600" extrusionOk="0">
                   <a:moveTo>
                     <a:pt x="0" y="10800"/>
                   </a:moveTo>
@@ -6317,6 +6431,7 @@
                   </a:solidFill>
                 </a:defRPr>
               </a:pPr>
+              <a:endParaRPr/>
             </a:p>
           </p:txBody>
         </p:sp>
@@ -6351,7 +6466,7 @@
               </a:cxnLst>
               <a:rect l="0" t="0" r="r" b="b"/>
               <a:pathLst>
-                <a:path w="21600" h="21600" fill="norm" stroke="1" extrusionOk="0">
+                <a:path w="21600" h="21600" extrusionOk="0">
                   <a:moveTo>
                     <a:pt x="0" y="10800"/>
                   </a:moveTo>
@@ -6392,6 +6507,7 @@
                   </a:solidFill>
                 </a:defRPr>
               </a:pPr>
+              <a:endParaRPr/>
             </a:p>
           </p:txBody>
         </p:sp>
@@ -6426,7 +6542,7 @@
               </a:cxnLst>
               <a:rect l="0" t="0" r="r" b="b"/>
               <a:pathLst>
-                <a:path w="21600" h="21600" fill="norm" stroke="1" extrusionOk="0">
+                <a:path w="21600" h="21600" extrusionOk="0">
                   <a:moveTo>
                     <a:pt x="0" y="10800"/>
                   </a:moveTo>
@@ -6467,6 +6583,7 @@
                   </a:solidFill>
                 </a:defRPr>
               </a:pPr>
+              <a:endParaRPr/>
             </a:p>
           </p:txBody>
         </p:sp>
@@ -6501,7 +6618,7 @@
               </a:cxnLst>
               <a:rect l="0" t="0" r="r" b="b"/>
               <a:pathLst>
-                <a:path w="21600" h="21600" fill="norm" stroke="1" extrusionOk="0">
+                <a:path w="21600" h="21600" extrusionOk="0">
                   <a:moveTo>
                     <a:pt x="0" y="10800"/>
                   </a:moveTo>
@@ -6542,6 +6659,7 @@
                   </a:solidFill>
                 </a:defRPr>
               </a:pPr>
+              <a:endParaRPr/>
             </a:p>
           </p:txBody>
         </p:sp>
@@ -6549,7 +6667,9 @@
       <p:sp>
         <p:nvSpPr>
           <p:cNvPr id="120" name="Title Text"/>
-          <p:cNvSpPr txBox="1"/>
+          <p:cNvSpPr txBox="1">
+            <a:spLocks noGrp="1"/>
+          </p:cNvSpPr>
           <p:nvPr>
             <p:ph type="title"/>
           </p:nvPr>
@@ -6565,11 +6685,10 @@
         </p:spPr>
         <p:txBody>
           <a:bodyPr anchor="ctr">
-            <a:normAutofit fontScale="100000" lnSpcReduction="0"/>
+            <a:normAutofit/>
           </a:bodyPr>
           <a:lstStyle/>
           <a:p>
-            <a:pPr/>
             <a:r>
               <a:t>Title Text</a:t>
             </a:r>
@@ -6579,7 +6698,9 @@
       <p:sp>
         <p:nvSpPr>
           <p:cNvPr id="121" name="Slide Number"/>
-          <p:cNvSpPr txBox="1"/>
+          <p:cNvSpPr txBox="1">
+            <a:spLocks noGrp="1"/>
+          </p:cNvSpPr>
           <p:nvPr>
             <p:ph type="sldNum" sz="quarter" idx="2"/>
           </p:nvPr>
@@ -6593,8 +6714,10 @@
           <a:bodyPr/>
           <a:lstStyle/>
           <a:p>
-            <a:pPr/>
-            <a:fld id="{86CB4B4D-7CA3-9044-876B-883B54F8677D}" type="slidenum"/>
+            <a:fld id="{86CB4B4D-7CA3-9044-876B-883B54F8677D}" type="slidenum">
+              <a:t>‹#›</a:t>
+            </a:fld>
+            <a:endParaRPr/>
           </a:p>
         </p:txBody>
       </p:sp>
@@ -6603,12 +6726,12 @@
   <p:clrMapOvr>
     <a:masterClrMapping/>
   </p:clrMapOvr>
-  <p:transition xmlns:p14="http://schemas.microsoft.com/office/powerpoint/2010/main" spd="med" advClick="1"/>
+  <p:transition spd="med"/>
 </p:sldLayout>
 </file>
 
 <file path=ppt/slideLayouts/slideLayout8.xml><?xml version="1.0" encoding="utf-8"?>
-<p:sldLayout xmlns:a="http://schemas.openxmlformats.org/drawingml/2006/main" xmlns:r="http://schemas.openxmlformats.org/officeDocument/2006/relationships" xmlns:p="http://schemas.openxmlformats.org/presentationml/2006/main" xmlns:m="http://schemas.openxmlformats.org/officeDocument/2006/math" xmlns:a14="http://schemas.microsoft.com/office/drawing/2010/main" type="tx" showMasterSp="1" showMasterPhAnim="1">
+<p:sldLayout xmlns:a="http://schemas.openxmlformats.org/drawingml/2006/main" xmlns:r="http://schemas.openxmlformats.org/officeDocument/2006/relationships" xmlns:p="http://schemas.openxmlformats.org/presentationml/2006/main" type="tx">
   <p:cSld name="SECTION_TITLE_AND_DESCRIPTION">
     <p:spTree>
       <p:nvGrpSpPr>
@@ -6669,7 +6792,7 @@
               </a:cxnLst>
               <a:rect l="0" t="0" r="r" b="b"/>
               <a:pathLst>
-                <a:path w="21600" h="21600" fill="norm" stroke="1" extrusionOk="0">
+                <a:path w="21600" h="21600" extrusionOk="0">
                   <a:moveTo>
                     <a:pt x="0" y="10800"/>
                   </a:moveTo>
@@ -6708,6 +6831,7 @@
                   </a:solidFill>
                 </a:defRPr>
               </a:pPr>
+              <a:endParaRPr/>
             </a:p>
           </p:txBody>
         </p:sp>
@@ -6742,7 +6866,7 @@
               </a:cxnLst>
               <a:rect l="0" t="0" r="r" b="b"/>
               <a:pathLst>
-                <a:path w="21600" h="21600" fill="norm" stroke="1" extrusionOk="0">
+                <a:path w="21600" h="21600" extrusionOk="0">
                   <a:moveTo>
                     <a:pt x="0" y="10800"/>
                   </a:moveTo>
@@ -6781,6 +6905,7 @@
                   </a:solidFill>
                 </a:defRPr>
               </a:pPr>
+              <a:endParaRPr/>
             </a:p>
           </p:txBody>
         </p:sp>
@@ -6788,7 +6913,9 @@
       <p:sp>
         <p:nvSpPr>
           <p:cNvPr id="131" name="Title Text"/>
-          <p:cNvSpPr txBox="1"/>
+          <p:cNvSpPr txBox="1">
+            <a:spLocks noGrp="1"/>
+          </p:cNvSpPr>
           <p:nvPr>
             <p:ph type="title"/>
           </p:nvPr>
@@ -6804,7 +6931,7 @@
         </p:spPr>
         <p:txBody>
           <a:bodyPr>
-            <a:normAutofit fontScale="100000" lnSpcReduction="0"/>
+            <a:normAutofit/>
           </a:bodyPr>
           <a:lstStyle>
             <a:lvl1pPr>
@@ -6812,7 +6939,6 @@
             </a:lvl1pPr>
           </a:lstStyle>
           <a:p>
-            <a:pPr/>
             <a:r>
               <a:t>Title Text</a:t>
             </a:r>
@@ -6822,7 +6948,9 @@
       <p:sp>
         <p:nvSpPr>
           <p:cNvPr id="132" name="Body Level One…"/>
-          <p:cNvSpPr txBox="1"/>
+          <p:cNvSpPr txBox="1">
+            <a:spLocks noGrp="1"/>
+          </p:cNvSpPr>
           <p:nvPr>
             <p:ph type="body" sz="quarter" idx="1"/>
           </p:nvPr>
@@ -6838,7 +6966,7 @@
         </p:spPr>
         <p:txBody>
           <a:bodyPr>
-            <a:normAutofit fontScale="100000" lnSpcReduction="0"/>
+            <a:normAutofit/>
           </a:bodyPr>
           <a:lstStyle>
             <a:lvl1pPr marL="311150" indent="-165100">
@@ -6888,7 +7016,6 @@
             </a:lvl5pPr>
           </a:lstStyle>
           <a:p>
-            <a:pPr/>
             <a:r>
               <a:t>Body Level One</a:t>
             </a:r>
@@ -6922,7 +7049,9 @@
       <p:sp>
         <p:nvSpPr>
           <p:cNvPr id="133" name="Google Shape;97;p9"/>
-          <p:cNvSpPr txBox="1"/>
+          <p:cNvSpPr txBox="1">
+            <a:spLocks noGrp="1"/>
+          </p:cNvSpPr>
           <p:nvPr>
             <p:ph type="body" sz="quarter" idx="13"/>
           </p:nvPr>
@@ -6938,18 +7067,20 @@
         </p:spPr>
         <p:txBody>
           <a:bodyPr>
-            <a:normAutofit fontScale="100000" lnSpcReduction="0"/>
+            <a:normAutofit/>
           </a:bodyPr>
           <a:lstStyle/>
           <a:p>
-            <a:pPr/>
+            <a:endParaRPr/>
           </a:p>
         </p:txBody>
       </p:sp>
       <p:sp>
         <p:nvSpPr>
           <p:cNvPr id="134" name="Slide Number"/>
-          <p:cNvSpPr txBox="1"/>
+          <p:cNvSpPr txBox="1">
+            <a:spLocks noGrp="1"/>
+          </p:cNvSpPr>
           <p:nvPr>
             <p:ph type="sldNum" sz="quarter" idx="2"/>
           </p:nvPr>
@@ -6963,8 +7094,10 @@
           <a:bodyPr/>
           <a:lstStyle/>
           <a:p>
-            <a:pPr/>
-            <a:fld id="{86CB4B4D-7CA3-9044-876B-883B54F8677D}" type="slidenum"/>
+            <a:fld id="{86CB4B4D-7CA3-9044-876B-883B54F8677D}" type="slidenum">
+              <a:t>‹#›</a:t>
+            </a:fld>
+            <a:endParaRPr/>
           </a:p>
         </p:txBody>
       </p:sp>
@@ -6973,12 +7106,12 @@
   <p:clrMapOvr>
     <a:masterClrMapping/>
   </p:clrMapOvr>
-  <p:transition xmlns:p14="http://schemas.microsoft.com/office/powerpoint/2010/main" spd="med" advClick="1"/>
+  <p:transition spd="med"/>
 </p:sldLayout>
 </file>
 
 <file path=ppt/slideLayouts/slideLayout9.xml><?xml version="1.0" encoding="utf-8"?>
-<p:sldLayout xmlns:a="http://schemas.openxmlformats.org/drawingml/2006/main" xmlns:r="http://schemas.openxmlformats.org/officeDocument/2006/relationships" xmlns:p="http://schemas.openxmlformats.org/presentationml/2006/main" xmlns:m="http://schemas.openxmlformats.org/officeDocument/2006/math" xmlns:a14="http://schemas.microsoft.com/office/drawing/2010/main" type="tx" showMasterSp="1" showMasterPhAnim="1">
+<p:sldLayout xmlns:a="http://schemas.openxmlformats.org/drawingml/2006/main" xmlns:r="http://schemas.openxmlformats.org/officeDocument/2006/relationships" xmlns:p="http://schemas.openxmlformats.org/presentationml/2006/main" type="tx">
   <p:cSld name="CAPTION_ONLY">
     <p:spTree>
       <p:nvGrpSpPr>
@@ -7039,7 +7172,7 @@
               </a:cxnLst>
               <a:rect l="0" t="0" r="r" b="b"/>
               <a:pathLst>
-                <a:path w="21600" h="21600" fill="norm" stroke="1" extrusionOk="0">
+                <a:path w="21600" h="21600" extrusionOk="0">
                   <a:moveTo>
                     <a:pt x="0" y="10800"/>
                   </a:moveTo>
@@ -7080,6 +7213,7 @@
                   </a:solidFill>
                 </a:defRPr>
               </a:pPr>
+              <a:endParaRPr/>
             </a:p>
           </p:txBody>
         </p:sp>
@@ -7114,7 +7248,7 @@
               </a:cxnLst>
               <a:rect l="0" t="0" r="r" b="b"/>
               <a:pathLst>
-                <a:path w="21600" h="21600" fill="norm" stroke="1" extrusionOk="0">
+                <a:path w="21600" h="21600" extrusionOk="0">
                   <a:moveTo>
                     <a:pt x="0" y="10800"/>
                   </a:moveTo>
@@ -7155,6 +7289,7 @@
                   </a:solidFill>
                 </a:defRPr>
               </a:pPr>
+              <a:endParaRPr/>
             </a:p>
           </p:txBody>
         </p:sp>
@@ -7162,7 +7297,9 @@
       <p:sp>
         <p:nvSpPr>
           <p:cNvPr id="144" name="Body Level One…"/>
-          <p:cNvSpPr txBox="1"/>
+          <p:cNvSpPr txBox="1">
+            <a:spLocks noGrp="1"/>
+          </p:cNvSpPr>
           <p:nvPr>
             <p:ph type="body" sz="quarter" idx="1"/>
           </p:nvPr>
@@ -7178,7 +7315,7 @@
         </p:spPr>
         <p:txBody>
           <a:bodyPr anchor="ctr">
-            <a:normAutofit fontScale="100000" lnSpcReduction="0"/>
+            <a:normAutofit/>
           </a:bodyPr>
           <a:lstStyle>
             <a:lvl1pPr marL="228600" indent="0">
@@ -7220,7 +7357,6 @@
             </a:lvl5pPr>
           </a:lstStyle>
           <a:p>
-            <a:pPr/>
             <a:r>
               <a:t>Body Level One</a:t>
             </a:r>
@@ -7254,7 +7390,9 @@
       <p:sp>
         <p:nvSpPr>
           <p:cNvPr id="145" name="Slide Number"/>
-          <p:cNvSpPr txBox="1"/>
+          <p:cNvSpPr txBox="1">
+            <a:spLocks noGrp="1"/>
+          </p:cNvSpPr>
           <p:nvPr>
             <p:ph type="sldNum" sz="quarter" idx="2"/>
           </p:nvPr>
@@ -7268,8 +7406,10 @@
           <a:bodyPr/>
           <a:lstStyle/>
           <a:p>
-            <a:pPr/>
-            <a:fld id="{86CB4B4D-7CA3-9044-876B-883B54F8677D}" type="slidenum"/>
+            <a:fld id="{86CB4B4D-7CA3-9044-876B-883B54F8677D}" type="slidenum">
+              <a:t>‹#›</a:t>
+            </a:fld>
+            <a:endParaRPr/>
           </a:p>
         </p:txBody>
       </p:sp>
@@ -7278,18 +7418,19 @@
   <p:clrMapOvr>
     <a:masterClrMapping/>
   </p:clrMapOvr>
-  <p:transition xmlns:p14="http://schemas.microsoft.com/office/powerpoint/2010/main" spd="med" advClick="1"/>
+  <p:transition spd="med"/>
 </p:sldLayout>
 </file>
 
 <file path=ppt/slideMasters/slideMaster1.xml><?xml version="1.0" encoding="utf-8"?>
-<p:sldMaster xmlns:a="http://schemas.openxmlformats.org/drawingml/2006/main" xmlns:r="http://schemas.openxmlformats.org/officeDocument/2006/relationships" xmlns:p="http://schemas.openxmlformats.org/presentationml/2006/main" xmlns:m="http://schemas.openxmlformats.org/officeDocument/2006/math" xmlns:a14="http://schemas.microsoft.com/office/drawing/2010/main">
+<p:sldMaster xmlns:a="http://schemas.openxmlformats.org/drawingml/2006/main" xmlns:r="http://schemas.openxmlformats.org/officeDocument/2006/relationships" xmlns:p="http://schemas.openxmlformats.org/presentationml/2006/main">
   <p:cSld>
     <p:bg>
       <p:bgPr>
         <a:solidFill>
           <a:srgbClr val="1B212C"/>
         </a:solidFill>
+        <a:effectLst/>
       </p:bgPr>
     </p:bg>
     <p:spTree>
@@ -7309,7 +7450,9 @@
       <p:sp>
         <p:nvSpPr>
           <p:cNvPr id="2" name="Title Text"/>
-          <p:cNvSpPr txBox="1"/>
+          <p:cNvSpPr txBox="1">
+            <a:spLocks noGrp="1"/>
+          </p:cNvSpPr>
           <p:nvPr>
             <p:ph type="title"/>
           </p:nvPr>
@@ -7327,7 +7470,7 @@
           </a:ln>
           <a:extLst>
             <a:ext uri="{C572A759-6A51-4108-AA02-DFA0A04FC94B}">
-              <ma14:wrappingTextBoxFlag xmlns:ma14="http://schemas.microsoft.com/office/mac/drawingml/2011/main" val="1"/>
+              <ma14:wrappingTextBoxFlag xmlns:ma14="http://schemas.microsoft.com/office/mac/drawingml/2011/main" xmlns:a14="http://schemas.microsoft.com/office/drawing/2010/main" xmlns:m="http://schemas.openxmlformats.org/officeDocument/2006/math" xmlns="" val="1"/>
             </a:ext>
           </a:extLst>
         </p:spPr>
@@ -7335,7 +7478,6 @@
           <a:bodyPr lIns="91424" tIns="91424" rIns="91424" bIns="91424"/>
           <a:lstStyle/>
           <a:p>
-            <a:pPr/>
             <a:r>
               <a:t>Title Text</a:t>
             </a:r>
@@ -7345,7 +7487,9 @@
       <p:sp>
         <p:nvSpPr>
           <p:cNvPr id="3" name="Body Level One…"/>
-          <p:cNvSpPr txBox="1"/>
+          <p:cNvSpPr txBox="1">
+            <a:spLocks noGrp="1"/>
+          </p:cNvSpPr>
           <p:nvPr>
             <p:ph type="body" idx="1"/>
           </p:nvPr>
@@ -7363,7 +7507,7 @@
           </a:ln>
           <a:extLst>
             <a:ext uri="{C572A759-6A51-4108-AA02-DFA0A04FC94B}">
-              <ma14:wrappingTextBoxFlag xmlns:ma14="http://schemas.microsoft.com/office/mac/drawingml/2011/main" val="1"/>
+              <ma14:wrappingTextBoxFlag xmlns:ma14="http://schemas.microsoft.com/office/mac/drawingml/2011/main" xmlns:a14="http://schemas.microsoft.com/office/drawing/2010/main" xmlns:m="http://schemas.openxmlformats.org/officeDocument/2006/math" xmlns="" val="1"/>
             </a:ext>
           </a:extLst>
         </p:spPr>
@@ -7371,7 +7515,6 @@
           <a:bodyPr lIns="91424" tIns="91424" rIns="91424" bIns="91424"/>
           <a:lstStyle/>
           <a:p>
-            <a:pPr/>
             <a:r>
               <a:t>Body Level One</a:t>
             </a:r>
@@ -7405,7 +7548,9 @@
       <p:sp>
         <p:nvSpPr>
           <p:cNvPr id="4" name="Slide Number"/>
-          <p:cNvSpPr txBox="1"/>
+          <p:cNvSpPr txBox="1">
+            <a:spLocks noGrp="1"/>
+          </p:cNvSpPr>
           <p:nvPr>
             <p:ph type="sldNum" sz="quarter" idx="2"/>
           </p:nvPr>
@@ -7440,8 +7585,10 @@
             </a:lvl1pPr>
           </a:lstStyle>
           <a:p>
-            <a:pPr/>
-            <a:fld id="{86CB4B4D-7CA3-9044-876B-883B54F8677D}" type="slidenum"/>
+            <a:fld id="{86CB4B4D-7CA3-9044-876B-883B54F8677D}" type="slidenum">
+              <a:t>‹#›</a:t>
+            </a:fld>
+            <a:endParaRPr/>
           </a:p>
         </p:txBody>
       </p:sp>
@@ -7449,19 +7596,19 @@
   </p:cSld>
   <p:clrMap bg1="lt1" tx1="dk1" bg2="lt2" tx2="dk2" accent1="accent1" accent2="accent2" accent3="accent3" accent4="accent4" accent5="accent5" accent6="accent6" hlink="hlink" folHlink="folHlink"/>
   <p:sldLayoutIdLst>
-    <p:sldLayoutId id="2147483649" r:id="rId2"/>
-    <p:sldLayoutId id="2147483650" r:id="rId3"/>
-    <p:sldLayoutId id="2147483651" r:id="rId4"/>
-    <p:sldLayoutId id="2147483652" r:id="rId5"/>
-    <p:sldLayoutId id="2147483653" r:id="rId6"/>
-    <p:sldLayoutId id="2147483654" r:id="rId7"/>
-    <p:sldLayoutId id="2147483655" r:id="rId8"/>
-    <p:sldLayoutId id="2147483656" r:id="rId9"/>
-    <p:sldLayoutId id="2147483657" r:id="rId10"/>
-    <p:sldLayoutId id="2147483658" r:id="rId11"/>
-    <p:sldLayoutId id="2147483659" r:id="rId12"/>
+    <p:sldLayoutId id="2147483649" r:id="rId1"/>
+    <p:sldLayoutId id="2147483650" r:id="rId2"/>
+    <p:sldLayoutId id="2147483651" r:id="rId3"/>
+    <p:sldLayoutId id="2147483652" r:id="rId4"/>
+    <p:sldLayoutId id="2147483653" r:id="rId5"/>
+    <p:sldLayoutId id="2147483654" r:id="rId6"/>
+    <p:sldLayoutId id="2147483655" r:id="rId7"/>
+    <p:sldLayoutId id="2147483656" r:id="rId8"/>
+    <p:sldLayoutId id="2147483657" r:id="rId9"/>
+    <p:sldLayoutId id="2147483658" r:id="rId10"/>
+    <p:sldLayoutId id="2147483659" r:id="rId11"/>
   </p:sldLayoutIdLst>
-  <p:transition xmlns:p14="http://schemas.microsoft.com/office/powerpoint/2010/main" spd="med" advClick="1"/>
+  <p:transition spd="med"/>
   <p:txStyles>
     <p:titleStyle>
       <a:lvl1pPr marL="0" marR="0" indent="0" algn="l" defTabSz="914400" rtl="0" latinLnBrk="0">
@@ -7479,7 +7626,7 @@
         <a:buFontTx/>
         <a:buNone/>
         <a:tabLst/>
-        <a:defRPr b="0" baseline="0" cap="none" i="0" spc="0" strike="noStrike" sz="2800" u="none">
+        <a:defRPr sz="2800" b="0" i="0" u="none" strike="noStrike" cap="none" spc="0" baseline="0">
           <a:ln>
             <a:noFill/>
           </a:ln>
@@ -7508,7 +7655,7 @@
         <a:buFontTx/>
         <a:buNone/>
         <a:tabLst/>
-        <a:defRPr b="0" baseline="0" cap="none" i="0" spc="0" strike="noStrike" sz="2800" u="none">
+        <a:defRPr sz="2800" b="0" i="0" u="none" strike="noStrike" cap="none" spc="0" baseline="0">
           <a:ln>
             <a:noFill/>
           </a:ln>
@@ -7537,7 +7684,7 @@
         <a:buFontTx/>
         <a:buNone/>
         <a:tabLst/>
-        <a:defRPr b="0" baseline="0" cap="none" i="0" spc="0" strike="noStrike" sz="2800" u="none">
+        <a:defRPr sz="2800" b="0" i="0" u="none" strike="noStrike" cap="none" spc="0" baseline="0">
           <a:ln>
             <a:noFill/>
           </a:ln>
@@ -7566,7 +7713,7 @@
         <a:buFontTx/>
         <a:buNone/>
         <a:tabLst/>
-        <a:defRPr b="0" baseline="0" cap="none" i="0" spc="0" strike="noStrike" sz="2800" u="none">
+        <a:defRPr sz="2800" b="0" i="0" u="none" strike="noStrike" cap="none" spc="0" baseline="0">
           <a:ln>
             <a:noFill/>
           </a:ln>
@@ -7595,7 +7742,7 @@
         <a:buFontTx/>
         <a:buNone/>
         <a:tabLst/>
-        <a:defRPr b="0" baseline="0" cap="none" i="0" spc="0" strike="noStrike" sz="2800" u="none">
+        <a:defRPr sz="2800" b="0" i="0" u="none" strike="noStrike" cap="none" spc="0" baseline="0">
           <a:ln>
             <a:noFill/>
           </a:ln>
@@ -7624,7 +7771,7 @@
         <a:buFontTx/>
         <a:buNone/>
         <a:tabLst/>
-        <a:defRPr b="0" baseline="0" cap="none" i="0" spc="0" strike="noStrike" sz="2800" u="none">
+        <a:defRPr sz="2800" b="0" i="0" u="none" strike="noStrike" cap="none" spc="0" baseline="0">
           <a:ln>
             <a:noFill/>
           </a:ln>
@@ -7653,7 +7800,7 @@
         <a:buFontTx/>
         <a:buNone/>
         <a:tabLst/>
-        <a:defRPr b="0" baseline="0" cap="none" i="0" spc="0" strike="noStrike" sz="2800" u="none">
+        <a:defRPr sz="2800" b="0" i="0" u="none" strike="noStrike" cap="none" spc="0" baseline="0">
           <a:ln>
             <a:noFill/>
           </a:ln>
@@ -7682,7 +7829,7 @@
         <a:buFontTx/>
         <a:buNone/>
         <a:tabLst/>
-        <a:defRPr b="0" baseline="0" cap="none" i="0" spc="0" strike="noStrike" sz="2800" u="none">
+        <a:defRPr sz="2800" b="0" i="0" u="none" strike="noStrike" cap="none" spc="0" baseline="0">
           <a:ln>
             <a:noFill/>
           </a:ln>
@@ -7711,7 +7858,7 @@
         <a:buFontTx/>
         <a:buNone/>
         <a:tabLst/>
-        <a:defRPr b="0" baseline="0" cap="none" i="0" spc="0" strike="noStrike" sz="2800" u="none">
+        <a:defRPr sz="2800" b="0" i="0" u="none" strike="noStrike" cap="none" spc="0" baseline="0">
           <a:ln>
             <a:noFill/>
           </a:ln>
@@ -7744,7 +7891,7 @@
         <a:buFont typeface="Helvetica"/>
         <a:buChar char="●"/>
         <a:tabLst/>
-        <a:defRPr b="0" baseline="0" cap="none" i="0" spc="0" strike="noStrike" sz="1300" u="none">
+        <a:defRPr sz="1300" b="0" i="0" u="none" strike="noStrike" cap="none" spc="0" baseline="0">
           <a:ln>
             <a:noFill/>
           </a:ln>
@@ -7775,7 +7922,7 @@
         <a:buFont typeface="Helvetica"/>
         <a:buChar char="○"/>
         <a:tabLst/>
-        <a:defRPr b="0" baseline="0" cap="none" i="0" spc="0" strike="noStrike" sz="1300" u="none">
+        <a:defRPr sz="1300" b="0" i="0" u="none" strike="noStrike" cap="none" spc="0" baseline="0">
           <a:ln>
             <a:noFill/>
           </a:ln>
@@ -7806,7 +7953,7 @@
         <a:buFont typeface="Helvetica"/>
         <a:buChar char="■"/>
         <a:tabLst/>
-        <a:defRPr b="0" baseline="0" cap="none" i="0" spc="0" strike="noStrike" sz="1300" u="none">
+        <a:defRPr sz="1300" b="0" i="0" u="none" strike="noStrike" cap="none" spc="0" baseline="0">
           <a:ln>
             <a:noFill/>
           </a:ln>
@@ -7837,7 +7984,7 @@
         <a:buFont typeface="Helvetica"/>
         <a:buChar char="●"/>
         <a:tabLst/>
-        <a:defRPr b="0" baseline="0" cap="none" i="0" spc="0" strike="noStrike" sz="1300" u="none">
+        <a:defRPr sz="1300" b="0" i="0" u="none" strike="noStrike" cap="none" spc="0" baseline="0">
           <a:ln>
             <a:noFill/>
           </a:ln>
@@ -7868,7 +8015,7 @@
         <a:buFont typeface="Helvetica"/>
         <a:buChar char="○"/>
         <a:tabLst/>
-        <a:defRPr b="0" baseline="0" cap="none" i="0" spc="0" strike="noStrike" sz="1300" u="none">
+        <a:defRPr sz="1300" b="0" i="0" u="none" strike="noStrike" cap="none" spc="0" baseline="0">
           <a:ln>
             <a:noFill/>
           </a:ln>
@@ -7899,7 +8046,7 @@
         <a:buFont typeface="Helvetica"/>
         <a:buChar char="■"/>
         <a:tabLst/>
-        <a:defRPr b="0" baseline="0" cap="none" i="0" spc="0" strike="noStrike" sz="1300" u="none">
+        <a:defRPr sz="1300" b="0" i="0" u="none" strike="noStrike" cap="none" spc="0" baseline="0">
           <a:ln>
             <a:noFill/>
           </a:ln>
@@ -7930,7 +8077,7 @@
         <a:buFont typeface="Helvetica"/>
         <a:buChar char="●"/>
         <a:tabLst/>
-        <a:defRPr b="0" baseline="0" cap="none" i="0" spc="0" strike="noStrike" sz="1300" u="none">
+        <a:defRPr sz="1300" b="0" i="0" u="none" strike="noStrike" cap="none" spc="0" baseline="0">
           <a:ln>
             <a:noFill/>
           </a:ln>
@@ -7961,7 +8108,7 @@
         <a:buFont typeface="Helvetica"/>
         <a:buChar char="○"/>
         <a:tabLst/>
-        <a:defRPr b="0" baseline="0" cap="none" i="0" spc="0" strike="noStrike" sz="1300" u="none">
+        <a:defRPr sz="1300" b="0" i="0" u="none" strike="noStrike" cap="none" spc="0" baseline="0">
           <a:ln>
             <a:noFill/>
           </a:ln>
@@ -7992,7 +8139,7 @@
         <a:buFont typeface="Helvetica"/>
         <a:buChar char="■"/>
         <a:tabLst/>
-        <a:defRPr b="0" baseline="0" cap="none" i="0" spc="0" strike="noStrike" sz="1300" u="none">
+        <a:defRPr sz="1300" b="0" i="0" u="none" strike="noStrike" cap="none" spc="0" baseline="0">
           <a:ln>
             <a:noFill/>
           </a:ln>
@@ -8023,7 +8170,7 @@
         <a:buFontTx/>
         <a:buNone/>
         <a:tabLst/>
-        <a:defRPr b="0" baseline="0" cap="none" i="0" spc="0" strike="noStrike" sz="1000" u="none">
+        <a:defRPr sz="1000" b="0" i="0" u="none" strike="noStrike" cap="none" spc="0" baseline="0">
           <a:ln>
             <a:noFill/>
           </a:ln>
@@ -8052,7 +8199,7 @@
         <a:buFontTx/>
         <a:buNone/>
         <a:tabLst/>
-        <a:defRPr b="0" baseline="0" cap="none" i="0" spc="0" strike="noStrike" sz="1000" u="none">
+        <a:defRPr sz="1000" b="0" i="0" u="none" strike="noStrike" cap="none" spc="0" baseline="0">
           <a:ln>
             <a:noFill/>
           </a:ln>
@@ -8081,7 +8228,7 @@
         <a:buFontTx/>
         <a:buNone/>
         <a:tabLst/>
-        <a:defRPr b="0" baseline="0" cap="none" i="0" spc="0" strike="noStrike" sz="1000" u="none">
+        <a:defRPr sz="1000" b="0" i="0" u="none" strike="noStrike" cap="none" spc="0" baseline="0">
           <a:ln>
             <a:noFill/>
           </a:ln>
@@ -8110,7 +8257,7 @@
         <a:buFontTx/>
         <a:buNone/>
         <a:tabLst/>
-        <a:defRPr b="0" baseline="0" cap="none" i="0" spc="0" strike="noStrike" sz="1000" u="none">
+        <a:defRPr sz="1000" b="0" i="0" u="none" strike="noStrike" cap="none" spc="0" baseline="0">
           <a:ln>
             <a:noFill/>
           </a:ln>
@@ -8139,7 +8286,7 @@
         <a:buFontTx/>
         <a:buNone/>
         <a:tabLst/>
-        <a:defRPr b="0" baseline="0" cap="none" i="0" spc="0" strike="noStrike" sz="1000" u="none">
+        <a:defRPr sz="1000" b="0" i="0" u="none" strike="noStrike" cap="none" spc="0" baseline="0">
           <a:ln>
             <a:noFill/>
           </a:ln>
@@ -8168,7 +8315,7 @@
         <a:buFontTx/>
         <a:buNone/>
         <a:tabLst/>
-        <a:defRPr b="0" baseline="0" cap="none" i="0" spc="0" strike="noStrike" sz="1000" u="none">
+        <a:defRPr sz="1000" b="0" i="0" u="none" strike="noStrike" cap="none" spc="0" baseline="0">
           <a:ln>
             <a:noFill/>
           </a:ln>
@@ -8197,7 +8344,7 @@
         <a:buFontTx/>
         <a:buNone/>
         <a:tabLst/>
-        <a:defRPr b="0" baseline="0" cap="none" i="0" spc="0" strike="noStrike" sz="1000" u="none">
+        <a:defRPr sz="1000" b="0" i="0" u="none" strike="noStrike" cap="none" spc="0" baseline="0">
           <a:ln>
             <a:noFill/>
           </a:ln>
@@ -8226,7 +8373,7 @@
         <a:buFontTx/>
         <a:buNone/>
         <a:tabLst/>
-        <a:defRPr b="0" baseline="0" cap="none" i="0" spc="0" strike="noStrike" sz="1000" u="none">
+        <a:defRPr sz="1000" b="0" i="0" u="none" strike="noStrike" cap="none" spc="0" baseline="0">
           <a:ln>
             <a:noFill/>
           </a:ln>
@@ -8255,7 +8402,7 @@
         <a:buFontTx/>
         <a:buNone/>
         <a:tabLst/>
-        <a:defRPr b="0" baseline="0" cap="none" i="0" spc="0" strike="noStrike" sz="1000" u="none">
+        <a:defRPr sz="1000" b="0" i="0" u="none" strike="noStrike" cap="none" spc="0" baseline="0">
           <a:ln>
             <a:noFill/>
           </a:ln>
@@ -8275,7 +8422,7 @@
 </file>
 
 <file path=ppt/slides/slide1.xml><?xml version="1.0" encoding="utf-8"?>
-<p:sld xmlns:a="http://schemas.openxmlformats.org/drawingml/2006/main" xmlns:r="http://schemas.openxmlformats.org/officeDocument/2006/relationships" xmlns:p="http://schemas.openxmlformats.org/presentationml/2006/main" xmlns:m="http://schemas.openxmlformats.org/officeDocument/2006/math" xmlns:a14="http://schemas.microsoft.com/office/drawing/2010/main" showMasterSp="1" showMasterPhAnim="1">
+<p:sld xmlns:a="http://schemas.openxmlformats.org/drawingml/2006/main" xmlns:r="http://schemas.openxmlformats.org/officeDocument/2006/relationships" xmlns:p="http://schemas.openxmlformats.org/presentationml/2006/main">
   <p:cSld>
     <p:spTree>
       <p:nvGrpSpPr>
@@ -8294,7 +8441,9 @@
       <p:sp>
         <p:nvSpPr>
           <p:cNvPr id="189" name="Google Shape;134;p13"/>
-          <p:cNvSpPr txBox="1"/>
+          <p:cNvSpPr txBox="1">
+            <a:spLocks noGrp="1"/>
+          </p:cNvSpPr>
           <p:nvPr>
             <p:ph type="ctrTitle"/>
           </p:nvPr>
@@ -8312,7 +8461,6 @@
           <a:bodyPr/>
           <a:lstStyle/>
           <a:p>
-            <a:pPr/>
             <a:r>
               <a:t>Pixel Pet</a:t>
             </a:r>
@@ -8322,7 +8470,9 @@
       <p:sp>
         <p:nvSpPr>
           <p:cNvPr id="190" name="Google Shape;135;p13"/>
-          <p:cNvSpPr txBox="1"/>
+          <p:cNvSpPr txBox="1">
+            <a:spLocks noGrp="1"/>
+          </p:cNvSpPr>
           <p:nvPr>
             <p:ph type="subTitle" sz="quarter" idx="1"/>
           </p:nvPr>
@@ -8337,14 +8487,15 @@
           </a:prstGeom>
         </p:spPr>
         <p:txBody>
-          <a:bodyPr/>
+          <a:bodyPr>
+            <a:normAutofit lnSpcReduction="10000"/>
+          </a:bodyPr>
           <a:lstStyle>
             <a:lvl1pPr marL="0" indent="0" defTabSz="758951">
               <a:defRPr sz="1079"/>
             </a:lvl1pPr>
           </a:lstStyle>
           <a:p>
-            <a:pPr/>
             <a:r>
               <a:t>Ryan Austin, Mariafernanda Hernandez, Jessica Martinez Marquez, Eva Zhou</a:t>
             </a:r>
@@ -8356,12 +8507,12 @@
   <p:clrMapOvr>
     <a:masterClrMapping/>
   </p:clrMapOvr>
-  <p:transition xmlns:p14="http://schemas.microsoft.com/office/powerpoint/2010/main" spd="med" advClick="1"/>
+  <p:transition spd="med"/>
 </p:sld>
 </file>
 
 <file path=ppt/slides/slide2.xml><?xml version="1.0" encoding="utf-8"?>
-<p:sld xmlns:a="http://schemas.openxmlformats.org/drawingml/2006/main" xmlns:r="http://schemas.openxmlformats.org/officeDocument/2006/relationships" xmlns:p="http://schemas.openxmlformats.org/presentationml/2006/main" xmlns:m="http://schemas.openxmlformats.org/officeDocument/2006/math" xmlns:a14="http://schemas.microsoft.com/office/drawing/2010/main" showMasterSp="1" showMasterPhAnim="1">
+<p:sld xmlns:a="http://schemas.openxmlformats.org/drawingml/2006/main" xmlns:r="http://schemas.openxmlformats.org/officeDocument/2006/relationships" xmlns:p="http://schemas.openxmlformats.org/presentationml/2006/main">
   <p:cSld>
     <p:spTree>
       <p:nvGrpSpPr>
@@ -8380,7 +8531,9 @@
       <p:sp>
         <p:nvSpPr>
           <p:cNvPr id="192" name="Google Shape;140;p14"/>
-          <p:cNvSpPr txBox="1"/>
+          <p:cNvSpPr txBox="1">
+            <a:spLocks noGrp="1"/>
+          </p:cNvSpPr>
           <p:nvPr>
             <p:ph type="title"/>
           </p:nvPr>
@@ -8398,7 +8551,6 @@
           <a:bodyPr/>
           <a:lstStyle/>
           <a:p>
-            <a:pPr/>
             <a:r>
               <a:t>Project Background</a:t>
             </a:r>
@@ -8408,7 +8560,9 @@
       <p:sp>
         <p:nvSpPr>
           <p:cNvPr id="193" name="Google Shape;141;p14"/>
-          <p:cNvSpPr txBox="1"/>
+          <p:cNvSpPr txBox="1">
+            <a:spLocks noGrp="1"/>
+          </p:cNvSpPr>
           <p:nvPr>
             <p:ph type="body" sz="half" idx="1"/>
           </p:nvPr>
@@ -8484,12 +8638,12 @@
   <p:clrMapOvr>
     <a:masterClrMapping/>
   </p:clrMapOvr>
-  <p:transition xmlns:p14="http://schemas.microsoft.com/office/powerpoint/2010/main" spd="med" advClick="1"/>
+  <p:transition spd="med"/>
 </p:sld>
 </file>
 
 <file path=ppt/slides/slide3.xml><?xml version="1.0" encoding="utf-8"?>
-<p:sld xmlns:a="http://schemas.openxmlformats.org/drawingml/2006/main" xmlns:r="http://schemas.openxmlformats.org/officeDocument/2006/relationships" xmlns:p="http://schemas.openxmlformats.org/presentationml/2006/main" xmlns:m="http://schemas.openxmlformats.org/officeDocument/2006/math" xmlns:a14="http://schemas.microsoft.com/office/drawing/2010/main" showMasterSp="1" showMasterPhAnim="1">
+<p:sld xmlns:a="http://schemas.openxmlformats.org/drawingml/2006/main" xmlns:r="http://schemas.openxmlformats.org/officeDocument/2006/relationships" xmlns:p="http://schemas.openxmlformats.org/presentationml/2006/main">
   <p:cSld>
     <p:spTree>
       <p:nvGrpSpPr>
@@ -8508,7 +8662,9 @@
       <p:sp>
         <p:nvSpPr>
           <p:cNvPr id="196" name="Google Shape;147;p15"/>
-          <p:cNvSpPr txBox="1"/>
+          <p:cNvSpPr txBox="1">
+            <a:spLocks noGrp="1"/>
+          </p:cNvSpPr>
           <p:nvPr>
             <p:ph type="title"/>
           </p:nvPr>
@@ -8526,7 +8682,6 @@
           <a:bodyPr/>
           <a:lstStyle/>
           <a:p>
-            <a:pPr/>
             <a:r>
               <a:t>Target audience</a:t>
             </a:r>
@@ -8536,7 +8691,9 @@
       <p:sp>
         <p:nvSpPr>
           <p:cNvPr id="197" name="Google Shape;148;p15"/>
-          <p:cNvSpPr txBox="1"/>
+          <p:cNvSpPr txBox="1">
+            <a:spLocks noGrp="1"/>
+          </p:cNvSpPr>
           <p:nvPr>
             <p:ph type="body" sz="half" idx="1"/>
           </p:nvPr>
@@ -8625,12 +8782,12 @@
   <p:clrMapOvr>
     <a:masterClrMapping/>
   </p:clrMapOvr>
-  <p:transition xmlns:p14="http://schemas.microsoft.com/office/powerpoint/2010/main" spd="med" advClick="1"/>
+  <p:transition spd="med"/>
 </p:sld>
 </file>
 
 <file path=ppt/slides/slide4.xml><?xml version="1.0" encoding="utf-8"?>
-<p:sld xmlns:a="http://schemas.openxmlformats.org/drawingml/2006/main" xmlns:r="http://schemas.openxmlformats.org/officeDocument/2006/relationships" xmlns:p="http://schemas.openxmlformats.org/presentationml/2006/main" xmlns:m="http://schemas.openxmlformats.org/officeDocument/2006/math" xmlns:a14="http://schemas.microsoft.com/office/drawing/2010/main" showMasterSp="1" showMasterPhAnim="1">
+<p:sld xmlns:a="http://schemas.openxmlformats.org/drawingml/2006/main" xmlns:r="http://schemas.openxmlformats.org/officeDocument/2006/relationships" xmlns:p="http://schemas.openxmlformats.org/presentationml/2006/main">
   <p:cSld>
     <p:spTree>
       <p:nvGrpSpPr>
@@ -8649,7 +8806,9 @@
       <p:sp>
         <p:nvSpPr>
           <p:cNvPr id="200" name="Opening Screens"/>
-          <p:cNvSpPr txBox="1"/>
+          <p:cNvSpPr txBox="1">
+            <a:spLocks noGrp="1"/>
+          </p:cNvSpPr>
           <p:nvPr>
             <p:ph type="title"/>
           </p:nvPr>
@@ -8663,7 +8822,6 @@
           <a:bodyPr/>
           <a:lstStyle/>
           <a:p>
-            <a:pPr/>
             <a:r>
               <a:t>Opening Screens</a:t>
             </a:r>
@@ -8673,7 +8831,9 @@
       <p:sp>
         <p:nvSpPr>
           <p:cNvPr id="201" name="When the app launches, the user has the option to return to their current pet, or to add a new pet to their Pixel Pet family. (left picture)…"/>
-          <p:cNvSpPr txBox="1"/>
+          <p:cNvSpPr txBox="1">
+            <a:spLocks noGrp="1"/>
+          </p:cNvSpPr>
           <p:nvPr>
             <p:ph type="body" sz="quarter" idx="1"/>
           </p:nvPr>
@@ -8691,16 +8851,14 @@
           <a:bodyPr/>
           <a:lstStyle/>
           <a:p>
-            <a:pPr/>
             <a:r>
               <a:t>When the app launches, the user has the option to return to their current pet, or to add a new pet to their Pixel Pet family. (left picture)</a:t>
             </a:r>
           </a:p>
           <a:p>
-            <a:pPr/>
+            <a:endParaRPr/>
           </a:p>
           <a:p>
-            <a:pPr/>
             <a:r>
               <a:t>If they want to get a new pet, there will be three new animals to choose from. (right screen)</a:t>
             </a:r>
@@ -8709,7 +8867,13 @@
       </p:sp>
       <p:pic>
         <p:nvPicPr>
-          <p:cNvPr id="202" name="Screen Shot 2019-12-13 at 7.09.25 PM.jpeg" descr="Screen Shot 2019-12-13 at 7.09.25 PM.jpeg"/>
+          <p:cNvPr id="3" name="Picture 2">
+            <a:extLst>
+              <a:ext uri="{FF2B5EF4-FFF2-40B4-BE49-F238E27FC236}">
+                <a16:creationId xmlns:a16="http://schemas.microsoft.com/office/drawing/2014/main" id="{350D4FB4-3BBA-5C4C-84A3-F79D52974A02}"/>
+              </a:ext>
+            </a:extLst>
+          </p:cNvPr>
           <p:cNvPicPr>
             <a:picLocks noChangeAspect="1"/>
           </p:cNvPicPr>
@@ -8717,29 +8881,35 @@
         </p:nvPicPr>
         <p:blipFill>
           <a:blip r:embed="rId2">
-            <a:extLst/>
+            <a:extLst>
+              <a:ext uri="{28A0092B-C50C-407E-A947-70E740481C1C}">
+                <a14:useLocalDpi xmlns:a14="http://schemas.microsoft.com/office/drawing/2010/main" val="0"/>
+              </a:ext>
+            </a:extLst>
           </a:blip>
-          <a:srcRect l="1186" t="3890" r="74488" b="14013"/>
           <a:stretch>
             <a:fillRect/>
           </a:stretch>
         </p:blipFill>
         <p:spPr>
           <a:xfrm>
-            <a:off x="943001" y="1626897"/>
-            <a:ext cx="1504586" cy="3173747"/>
+            <a:off x="6687048" y="1573424"/>
+            <a:ext cx="1447138" cy="3133537"/>
           </a:xfrm>
           <a:prstGeom prst="rect">
             <a:avLst/>
           </a:prstGeom>
-          <a:ln w="12700">
-            <a:miter lim="400000"/>
-          </a:ln>
         </p:spPr>
       </p:pic>
       <p:pic>
         <p:nvPicPr>
-          <p:cNvPr id="203" name="Screen Shot 2019-12-13 at 7.09.59 PM.jpeg" descr="Screen Shot 2019-12-13 at 7.09.59 PM.jpeg"/>
+          <p:cNvPr id="7" name="Picture 6">
+            <a:extLst>
+              <a:ext uri="{FF2B5EF4-FFF2-40B4-BE49-F238E27FC236}">
+                <a16:creationId xmlns:a16="http://schemas.microsoft.com/office/drawing/2014/main" id="{6C65344E-FC7F-D540-BFA7-D1707704C512}"/>
+              </a:ext>
+            </a:extLst>
+          </p:cNvPr>
           <p:cNvPicPr>
             <a:picLocks noChangeAspect="1"/>
           </p:cNvPicPr>
@@ -8747,24 +8917,24 @@
         </p:nvPicPr>
         <p:blipFill>
           <a:blip r:embed="rId3">
-            <a:extLst/>
+            <a:extLst>
+              <a:ext uri="{28A0092B-C50C-407E-A947-70E740481C1C}">
+                <a14:useLocalDpi xmlns:a14="http://schemas.microsoft.com/office/drawing/2010/main" val="0"/>
+              </a:ext>
+            </a:extLst>
           </a:blip>
-          <a:srcRect l="1067" t="7492" r="74499" b="13911"/>
           <a:stretch>
             <a:fillRect/>
           </a:stretch>
         </p:blipFill>
         <p:spPr>
           <a:xfrm>
-            <a:off x="6600070" y="1626897"/>
-            <a:ext cx="1578548" cy="3173628"/>
+            <a:off x="739669" y="1544850"/>
+            <a:ext cx="1502597" cy="3253623"/>
           </a:xfrm>
           <a:prstGeom prst="rect">
             <a:avLst/>
           </a:prstGeom>
-          <a:ln w="12700">
-            <a:miter lim="400000"/>
-          </a:ln>
         </p:spPr>
       </p:pic>
     </p:spTree>
@@ -8772,12 +8942,12 @@
   <p:clrMapOvr>
     <a:masterClrMapping/>
   </p:clrMapOvr>
-  <p:transition xmlns:p14="http://schemas.microsoft.com/office/powerpoint/2010/main" spd="med" advClick="1"/>
+  <p:transition spd="med"/>
 </p:sld>
 </file>
 
 <file path=ppt/slides/slide5.xml><?xml version="1.0" encoding="utf-8"?>
-<p:sld xmlns:a="http://schemas.openxmlformats.org/drawingml/2006/main" xmlns:r="http://schemas.openxmlformats.org/officeDocument/2006/relationships" xmlns:p="http://schemas.openxmlformats.org/presentationml/2006/main" xmlns:m="http://schemas.openxmlformats.org/officeDocument/2006/math" xmlns:a14="http://schemas.microsoft.com/office/drawing/2010/main" showMasterSp="1" showMasterPhAnim="1">
+<p:sld xmlns:a="http://schemas.openxmlformats.org/drawingml/2006/main" xmlns:r="http://schemas.openxmlformats.org/officeDocument/2006/relationships" xmlns:p="http://schemas.openxmlformats.org/presentationml/2006/main">
   <p:cSld>
     <p:spTree>
       <p:nvGrpSpPr>
@@ -8796,7 +8966,9 @@
       <p:sp>
         <p:nvSpPr>
           <p:cNvPr id="205" name="Google Shape;154;p16"/>
-          <p:cNvSpPr txBox="1"/>
+          <p:cNvSpPr txBox="1">
+            <a:spLocks noGrp="1"/>
+          </p:cNvSpPr>
           <p:nvPr>
             <p:ph type="title"/>
           </p:nvPr>
@@ -8818,7 +8990,6 @@
             </a:lvl1pPr>
           </a:lstStyle>
           <a:p>
-            <a:pPr/>
             <a:r>
               <a:t>Main Screens Used in Gameplay</a:t>
             </a:r>
@@ -8854,93 +9025,6 @@
           </a:ln>
         </p:spPr>
       </p:pic>
-      <p:pic>
-        <p:nvPicPr>
-          <p:cNvPr id="207" name="IMG_1213.png" descr="IMG_1213.png"/>
-          <p:cNvPicPr>
-            <a:picLocks noChangeAspect="1"/>
-          </p:cNvPicPr>
-          <p:nvPr/>
-        </p:nvPicPr>
-        <p:blipFill>
-          <a:blip r:embed="rId3">
-            <a:extLst/>
-          </a:blip>
-          <a:stretch>
-            <a:fillRect/>
-          </a:stretch>
-        </p:blipFill>
-        <p:spPr>
-          <a:xfrm>
-            <a:off x="4520622" y="1413595"/>
-            <a:ext cx="1344025" cy="2910260"/>
-          </a:xfrm>
-          <a:prstGeom prst="rect">
-            <a:avLst/>
-          </a:prstGeom>
-          <a:ln w="12700">
-            <a:miter lim="400000"/>
-          </a:ln>
-        </p:spPr>
-      </p:pic>
-      <p:pic>
-        <p:nvPicPr>
-          <p:cNvPr id="208" name="IMG_1212.png" descr="IMG_1212.png"/>
-          <p:cNvPicPr>
-            <a:picLocks noChangeAspect="1"/>
-          </p:cNvPicPr>
-          <p:nvPr/>
-        </p:nvPicPr>
-        <p:blipFill>
-          <a:blip r:embed="rId4">
-            <a:extLst/>
-          </a:blip>
-          <a:stretch>
-            <a:fillRect/>
-          </a:stretch>
-        </p:blipFill>
-        <p:spPr>
-          <a:xfrm>
-            <a:off x="6082714" y="1413595"/>
-            <a:ext cx="1344025" cy="2910260"/>
-          </a:xfrm>
-          <a:prstGeom prst="rect">
-            <a:avLst/>
-          </a:prstGeom>
-          <a:ln w="12700">
-            <a:miter lim="400000"/>
-          </a:ln>
-        </p:spPr>
-      </p:pic>
-      <p:pic>
-        <p:nvPicPr>
-          <p:cNvPr id="209" name="IMG_1214.png" descr="IMG_1214.png"/>
-          <p:cNvPicPr>
-            <a:picLocks noChangeAspect="1"/>
-          </p:cNvPicPr>
-          <p:nvPr/>
-        </p:nvPicPr>
-        <p:blipFill>
-          <a:blip r:embed="rId5">
-            <a:extLst/>
-          </a:blip>
-          <a:stretch>
-            <a:fillRect/>
-          </a:stretch>
-        </p:blipFill>
-        <p:spPr>
-          <a:xfrm>
-            <a:off x="7644806" y="1413595"/>
-            <a:ext cx="1344025" cy="2910260"/>
-          </a:xfrm>
-          <a:prstGeom prst="rect">
-            <a:avLst/>
-          </a:prstGeom>
-          <a:ln w="12700">
-            <a:miter lim="400000"/>
-          </a:ln>
-        </p:spPr>
-      </p:pic>
       <p:sp>
         <p:nvSpPr>
           <p:cNvPr id="210" name="Google Shape;154;p16"/>
@@ -8960,13 +9044,13 @@
           </a:ln>
           <a:extLst>
             <a:ext uri="{C572A759-6A51-4108-AA02-DFA0A04FC94B}">
-              <ma14:wrappingTextBoxFlag xmlns:ma14="http://schemas.microsoft.com/office/mac/drawingml/2011/main" val="1"/>
+              <ma14:wrappingTextBoxFlag xmlns:ma14="http://schemas.microsoft.com/office/mac/drawingml/2011/main" xmlns:a14="http://schemas.microsoft.com/office/drawing/2010/main" xmlns:m="http://schemas.openxmlformats.org/officeDocument/2006/math" xmlns="" val="1"/>
             </a:ext>
           </a:extLst>
         </p:spPr>
         <p:txBody>
           <a:bodyPr lIns="91424" tIns="91424" rIns="91424" bIns="91424">
-            <a:normAutofit fontScale="100000" lnSpcReduction="0"/>
+            <a:normAutofit/>
           </a:bodyPr>
           <a:lstStyle>
             <a:lvl1pPr defTabSz="841247">
@@ -8982,7 +9066,6 @@
             </a:lvl1pPr>
           </a:lstStyle>
           <a:p>
-            <a:pPr/>
             <a:r>
               <a:t>Main Screen</a:t>
             </a:r>
@@ -8997,7 +9080,7 @@
         </p:nvSpPr>
         <p:spPr>
           <a:xfrm>
-            <a:off x="4520622" y="4267859"/>
+            <a:off x="4426711" y="4332347"/>
             <a:ext cx="1344025" cy="736791"/>
           </a:xfrm>
           <a:prstGeom prst="rect">
@@ -9008,13 +9091,13 @@
           </a:ln>
           <a:extLst>
             <a:ext uri="{C572A759-6A51-4108-AA02-DFA0A04FC94B}">
-              <ma14:wrappingTextBoxFlag xmlns:ma14="http://schemas.microsoft.com/office/mac/drawingml/2011/main" val="1"/>
+              <ma14:wrappingTextBoxFlag xmlns:ma14="http://schemas.microsoft.com/office/mac/drawingml/2011/main" xmlns:a14="http://schemas.microsoft.com/office/drawing/2010/main" xmlns:m="http://schemas.openxmlformats.org/officeDocument/2006/math" xmlns="" val="1"/>
             </a:ext>
           </a:extLst>
         </p:spPr>
         <p:txBody>
           <a:bodyPr lIns="91424" tIns="91424" rIns="91424" bIns="91424">
-            <a:normAutofit fontScale="100000" lnSpcReduction="0"/>
+            <a:normAutofit/>
           </a:bodyPr>
           <a:lstStyle>
             <a:lvl1pPr defTabSz="420623">
@@ -9030,8 +9113,8 @@
             </a:lvl1pPr>
           </a:lstStyle>
           <a:p>
-            <a:pPr/>
             <a:r>
+              <a:rPr dirty="0"/>
               <a:t>Eat Screen: select meal or snack</a:t>
             </a:r>
           </a:p>
@@ -9045,7 +9128,7 @@
         </p:nvSpPr>
         <p:spPr>
           <a:xfrm>
-            <a:off x="6052036" y="4267859"/>
+            <a:off x="6020231" y="4332347"/>
             <a:ext cx="1405382" cy="853941"/>
           </a:xfrm>
           <a:prstGeom prst="rect">
@@ -9056,13 +9139,13 @@
           </a:ln>
           <a:extLst>
             <a:ext uri="{C572A759-6A51-4108-AA02-DFA0A04FC94B}">
-              <ma14:wrappingTextBoxFlag xmlns:ma14="http://schemas.microsoft.com/office/mac/drawingml/2011/main" val="1"/>
+              <ma14:wrappingTextBoxFlag xmlns:ma14="http://schemas.microsoft.com/office/mac/drawingml/2011/main" xmlns:a14="http://schemas.microsoft.com/office/drawing/2010/main" xmlns:m="http://schemas.openxmlformats.org/officeDocument/2006/math" xmlns="" val="1"/>
             </a:ext>
           </a:extLst>
         </p:spPr>
         <p:txBody>
           <a:bodyPr lIns="91424" tIns="91424" rIns="91424" bIns="91424">
-            <a:normAutofit fontScale="100000" lnSpcReduction="0"/>
+            <a:normAutofit/>
           </a:bodyPr>
           <a:lstStyle>
             <a:lvl1pPr defTabSz="411479">
@@ -9078,10 +9161,15 @@
             </a:lvl1pPr>
           </a:lstStyle>
           <a:p>
-            <a:pPr/>
             <a:r>
-              <a:t>Sleep Screen: select duration of sleep</a:t>
+              <a:rPr dirty="0"/>
+              <a:t>Sleep Screen:</a:t>
             </a:r>
+            <a:r>
+              <a:rPr lang="en-US" dirty="0"/>
+              <a:t> how long the user has slept</a:t>
+            </a:r>
+            <a:endParaRPr dirty="0"/>
           </a:p>
         </p:txBody>
       </p:sp>
@@ -9093,7 +9181,7 @@
         </p:nvSpPr>
         <p:spPr>
           <a:xfrm>
-            <a:off x="7644806" y="4246537"/>
+            <a:off x="7645036" y="4347225"/>
             <a:ext cx="1498964" cy="650736"/>
           </a:xfrm>
           <a:prstGeom prst="rect">
@@ -9104,13 +9192,13 @@
           </a:ln>
           <a:extLst>
             <a:ext uri="{C572A759-6A51-4108-AA02-DFA0A04FC94B}">
-              <ma14:wrappingTextBoxFlag xmlns:ma14="http://schemas.microsoft.com/office/mac/drawingml/2011/main" val="1"/>
+              <ma14:wrappingTextBoxFlag xmlns:ma14="http://schemas.microsoft.com/office/mac/drawingml/2011/main" xmlns:a14="http://schemas.microsoft.com/office/drawing/2010/main" xmlns:m="http://schemas.openxmlformats.org/officeDocument/2006/math" xmlns="" val="1"/>
             </a:ext>
           </a:extLst>
         </p:spPr>
         <p:txBody>
           <a:bodyPr lIns="91424" tIns="91424" rIns="91424" bIns="91424">
-            <a:normAutofit fontScale="100000" lnSpcReduction="0"/>
+            <a:normAutofit lnSpcReduction="10000"/>
           </a:bodyPr>
           <a:lstStyle>
             <a:lvl1pPr defTabSz="576072">
@@ -9126,10 +9214,17 @@
             </a:lvl1pPr>
           </a:lstStyle>
           <a:p>
-            <a:pPr/>
             <a:r>
+              <a:rPr sz="1080" dirty="0"/>
               <a:t>Store Screen</a:t>
             </a:r>
+            <a:r>
+              <a:rPr lang="en-US" sz="1080" dirty="0"/>
+              <a:t>: buy medicine to recover health</a:t>
+            </a:r>
+          </a:p>
+          <a:p>
+            <a:endParaRPr sz="1080" dirty="0"/>
           </a:p>
         </p:txBody>
       </p:sp>
@@ -9154,7 +9249,7 @@
             <a:tailEnd type="triangle"/>
           </a:ln>
           <a:effectLst>
-            <a:outerShdw sx="100000" sy="100000" kx="0" ky="0" algn="b" rotWithShape="0" blurRad="38100" dist="20000" dir="5400000">
+            <a:outerShdw blurRad="38100" dist="20000" dir="5400000" rotWithShape="0">
               <a:srgbClr val="000000">
                 <a:alpha val="38000"/>
               </a:srgbClr>
@@ -9165,7 +9260,7 @@
           <a:bodyPr lIns="0" tIns="0" rIns="0" bIns="0"/>
           <a:lstStyle/>
           <a:p>
-            <a:pPr/>
+            <a:endParaRPr/>
           </a:p>
         </p:txBody>
       </p:sp>
@@ -9188,13 +9283,13 @@
           </a:ln>
           <a:extLst>
             <a:ext uri="{C572A759-6A51-4108-AA02-DFA0A04FC94B}">
-              <ma14:wrappingTextBoxFlag xmlns:ma14="http://schemas.microsoft.com/office/mac/drawingml/2011/main" val="1"/>
+              <ma14:wrappingTextBoxFlag xmlns:ma14="http://schemas.microsoft.com/office/mac/drawingml/2011/main" xmlns:a14="http://schemas.microsoft.com/office/drawing/2010/main" xmlns:m="http://schemas.openxmlformats.org/officeDocument/2006/math" xmlns="" val="1"/>
             </a:ext>
           </a:extLst>
         </p:spPr>
         <p:txBody>
           <a:bodyPr lIns="91424" tIns="91424" rIns="91424" bIns="91424">
-            <a:normAutofit fontScale="100000" lnSpcReduction="0"/>
+            <a:normAutofit/>
           </a:bodyPr>
           <a:lstStyle>
             <a:lvl1pPr defTabSz="384047">
@@ -9210,7 +9305,6 @@
             </a:lvl1pPr>
           </a:lstStyle>
           <a:p>
-            <a:pPr/>
             <a:r>
               <a:t>Link to eat screen</a:t>
             </a:r>
@@ -9238,7 +9332,7 @@
             <a:tailEnd type="triangle"/>
           </a:ln>
           <a:effectLst>
-            <a:outerShdw sx="100000" sy="100000" kx="0" ky="0" algn="b" rotWithShape="0" blurRad="38100" dist="20000" dir="5400000">
+            <a:outerShdw blurRad="38100" dist="20000" dir="5400000" rotWithShape="0">
               <a:srgbClr val="000000">
                 <a:alpha val="38000"/>
               </a:srgbClr>
@@ -9249,7 +9343,7 @@
           <a:bodyPr lIns="0" tIns="0" rIns="0" bIns="0"/>
           <a:lstStyle/>
           <a:p>
-            <a:pPr/>
+            <a:endParaRPr/>
           </a:p>
         </p:txBody>
       </p:sp>
@@ -9274,7 +9368,7 @@
             <a:tailEnd type="triangle"/>
           </a:ln>
           <a:effectLst>
-            <a:outerShdw sx="100000" sy="100000" kx="0" ky="0" algn="b" rotWithShape="0" blurRad="38100" dist="20000" dir="5400000">
+            <a:outerShdw blurRad="38100" dist="20000" dir="5400000" rotWithShape="0">
               <a:srgbClr val="000000">
                 <a:alpha val="38000"/>
               </a:srgbClr>
@@ -9285,7 +9379,7 @@
           <a:bodyPr lIns="0" tIns="0" rIns="0" bIns="0"/>
           <a:lstStyle/>
           <a:p>
-            <a:pPr/>
+            <a:endParaRPr/>
           </a:p>
         </p:txBody>
       </p:sp>
@@ -9308,13 +9402,13 @@
           </a:ln>
           <a:extLst>
             <a:ext uri="{C572A759-6A51-4108-AA02-DFA0A04FC94B}">
-              <ma14:wrappingTextBoxFlag xmlns:ma14="http://schemas.microsoft.com/office/mac/drawingml/2011/main" val="1"/>
+              <ma14:wrappingTextBoxFlag xmlns:ma14="http://schemas.microsoft.com/office/mac/drawingml/2011/main" xmlns:a14="http://schemas.microsoft.com/office/drawing/2010/main" xmlns:m="http://schemas.openxmlformats.org/officeDocument/2006/math" xmlns="" val="1"/>
             </a:ext>
           </a:extLst>
         </p:spPr>
         <p:txBody>
           <a:bodyPr lIns="91424" tIns="91424" rIns="91424" bIns="91424">
-            <a:normAutofit fontScale="100000" lnSpcReduction="0"/>
+            <a:normAutofit/>
           </a:bodyPr>
           <a:lstStyle>
             <a:lvl1pPr defTabSz="438911">
@@ -9330,7 +9424,6 @@
             </a:lvl1pPr>
           </a:lstStyle>
           <a:p>
-            <a:pPr/>
             <a:r>
               <a:t>Link to sleep screen</a:t>
             </a:r>
@@ -9356,13 +9449,13 @@
           </a:ln>
           <a:extLst>
             <a:ext uri="{C572A759-6A51-4108-AA02-DFA0A04FC94B}">
-              <ma14:wrappingTextBoxFlag xmlns:ma14="http://schemas.microsoft.com/office/mac/drawingml/2011/main" val="1"/>
+              <ma14:wrappingTextBoxFlag xmlns:ma14="http://schemas.microsoft.com/office/mac/drawingml/2011/main" xmlns:a14="http://schemas.microsoft.com/office/drawing/2010/main" xmlns:m="http://schemas.openxmlformats.org/officeDocument/2006/math" xmlns="" val="1"/>
             </a:ext>
           </a:extLst>
         </p:spPr>
         <p:txBody>
           <a:bodyPr lIns="91424" tIns="91424" rIns="91424" bIns="91424">
-            <a:normAutofit fontScale="100000" lnSpcReduction="0"/>
+            <a:normAutofit/>
           </a:bodyPr>
           <a:lstStyle>
             <a:lvl1pPr defTabSz="365760">
@@ -9378,24 +9471,131 @@
             </a:lvl1pPr>
           </a:lstStyle>
           <a:p>
-            <a:pPr/>
             <a:r>
               <a:t>Link to store screen</a:t>
             </a:r>
           </a:p>
         </p:txBody>
       </p:sp>
+      <p:pic>
+        <p:nvPicPr>
+          <p:cNvPr id="3" name="Picture 2">
+            <a:extLst>
+              <a:ext uri="{FF2B5EF4-FFF2-40B4-BE49-F238E27FC236}">
+                <a16:creationId xmlns:a16="http://schemas.microsoft.com/office/drawing/2014/main" id="{F42B9652-5DB4-B940-A7B3-56DB898FF848}"/>
+              </a:ext>
+            </a:extLst>
+          </p:cNvPr>
+          <p:cNvPicPr>
+            <a:picLocks noChangeAspect="1"/>
+          </p:cNvPicPr>
+          <p:nvPr/>
+        </p:nvPicPr>
+        <p:blipFill>
+          <a:blip r:embed="rId3">
+            <a:extLst>
+              <a:ext uri="{28A0092B-C50C-407E-A947-70E740481C1C}">
+                <a14:useLocalDpi xmlns:a14="http://schemas.microsoft.com/office/drawing/2010/main" val="0"/>
+              </a:ext>
+            </a:extLst>
+          </a:blip>
+          <a:stretch>
+            <a:fillRect/>
+          </a:stretch>
+        </p:blipFill>
+        <p:spPr>
+          <a:xfrm>
+            <a:off x="7645035" y="1385006"/>
+            <a:ext cx="1370319" cy="2967196"/>
+          </a:xfrm>
+          <a:prstGeom prst="rect">
+            <a:avLst/>
+          </a:prstGeom>
+        </p:spPr>
+      </p:pic>
+      <p:pic>
+        <p:nvPicPr>
+          <p:cNvPr id="5" name="Picture 4">
+            <a:extLst>
+              <a:ext uri="{FF2B5EF4-FFF2-40B4-BE49-F238E27FC236}">
+                <a16:creationId xmlns:a16="http://schemas.microsoft.com/office/drawing/2014/main" id="{EB4DB218-98E6-984E-8902-010AE97A5F8F}"/>
+              </a:ext>
+            </a:extLst>
+          </p:cNvPr>
+          <p:cNvPicPr>
+            <a:picLocks noChangeAspect="1"/>
+          </p:cNvPicPr>
+          <p:nvPr/>
+        </p:nvPicPr>
+        <p:blipFill>
+          <a:blip r:embed="rId4">
+            <a:extLst>
+              <a:ext uri="{28A0092B-C50C-407E-A947-70E740481C1C}">
+                <a14:useLocalDpi xmlns:a14="http://schemas.microsoft.com/office/drawing/2010/main" val="0"/>
+              </a:ext>
+            </a:extLst>
+          </a:blip>
+          <a:stretch>
+            <a:fillRect/>
+          </a:stretch>
+        </p:blipFill>
+        <p:spPr>
+          <a:xfrm>
+            <a:off x="4363105" y="1413595"/>
+            <a:ext cx="1354817" cy="2933630"/>
+          </a:xfrm>
+          <a:prstGeom prst="rect">
+            <a:avLst/>
+          </a:prstGeom>
+        </p:spPr>
+      </p:pic>
+      <p:pic>
+        <p:nvPicPr>
+          <p:cNvPr id="7" name="Picture 6">
+            <a:extLst>
+              <a:ext uri="{FF2B5EF4-FFF2-40B4-BE49-F238E27FC236}">
+                <a16:creationId xmlns:a16="http://schemas.microsoft.com/office/drawing/2014/main" id="{0F6C46C3-959F-3F49-9B71-22329DD17163}"/>
+              </a:ext>
+            </a:extLst>
+          </p:cNvPr>
+          <p:cNvPicPr>
+            <a:picLocks noChangeAspect="1"/>
+          </p:cNvPicPr>
+          <p:nvPr/>
+        </p:nvPicPr>
+        <p:blipFill>
+          <a:blip r:embed="rId5">
+            <a:extLst>
+              <a:ext uri="{28A0092B-C50C-407E-A947-70E740481C1C}">
+                <a14:useLocalDpi xmlns:a14="http://schemas.microsoft.com/office/drawing/2010/main" val="0"/>
+              </a:ext>
+            </a:extLst>
+          </a:blip>
+          <a:stretch>
+            <a:fillRect/>
+          </a:stretch>
+        </p:blipFill>
+        <p:spPr>
+          <a:xfrm>
+            <a:off x="6045514" y="1415129"/>
+            <a:ext cx="1354817" cy="2933630"/>
+          </a:xfrm>
+          <a:prstGeom prst="rect">
+            <a:avLst/>
+          </a:prstGeom>
+        </p:spPr>
+      </p:pic>
     </p:spTree>
   </p:cSld>
   <p:clrMapOvr>
     <a:masterClrMapping/>
   </p:clrMapOvr>
-  <p:transition xmlns:p14="http://schemas.microsoft.com/office/powerpoint/2010/main" spd="med" advClick="1"/>
+  <p:transition spd="med"/>
 </p:sld>
 </file>
 
 <file path=ppt/slides/slide6.xml><?xml version="1.0" encoding="utf-8"?>
-<p:sld xmlns:a="http://schemas.openxmlformats.org/drawingml/2006/main" xmlns:r="http://schemas.openxmlformats.org/officeDocument/2006/relationships" xmlns:p="http://schemas.openxmlformats.org/presentationml/2006/main" xmlns:m="http://schemas.openxmlformats.org/officeDocument/2006/math" xmlns:a14="http://schemas.microsoft.com/office/drawing/2010/main" showMasterSp="1" showMasterPhAnim="1">
+<p:sld xmlns:a="http://schemas.openxmlformats.org/drawingml/2006/main" xmlns:r="http://schemas.openxmlformats.org/officeDocument/2006/relationships" xmlns:p="http://schemas.openxmlformats.org/presentationml/2006/main">
   <p:cSld>
     <p:spTree>
       <p:nvGrpSpPr>
@@ -9414,7 +9614,9 @@
       <p:sp>
         <p:nvSpPr>
           <p:cNvPr id="221" name="Google Shape;161;p17"/>
-          <p:cNvSpPr txBox="1"/>
+          <p:cNvSpPr txBox="1">
+            <a:spLocks noGrp="1"/>
+          </p:cNvSpPr>
           <p:nvPr>
             <p:ph type="title"/>
           </p:nvPr>
@@ -9432,7 +9634,6 @@
           <a:bodyPr/>
           <a:lstStyle/>
           <a:p>
-            <a:pPr/>
             <a:r>
               <a:t>Gameplay Functions</a:t>
             </a:r>
@@ -9442,7 +9643,9 @@
       <p:sp>
         <p:nvSpPr>
           <p:cNvPr id="222" name="Google Shape;162;p17"/>
-          <p:cNvSpPr txBox="1"/>
+          <p:cNvSpPr txBox="1">
+            <a:spLocks noGrp="1"/>
+          </p:cNvSpPr>
           <p:nvPr>
             <p:ph type="body" sz="quarter" idx="1"/>
           </p:nvPr>
@@ -9457,7 +9660,9 @@
           </a:prstGeom>
         </p:spPr>
         <p:txBody>
-          <a:bodyPr/>
+          <a:bodyPr>
+            <a:normAutofit lnSpcReduction="10000"/>
+          </a:bodyPr>
           <a:lstStyle/>
           <a:p>
             <a:pPr marL="402336" indent="-279400" defTabSz="804672">
@@ -9468,12 +9673,26 @@
               <a:defRPr sz="1232"/>
             </a:pPr>
             <a:r>
-              <a:rPr b="1" u="sng"/>
+              <a:rPr b="1" u="sng" dirty="0"/>
               <a:t>EAT</a:t>
             </a:r>
             <a:r>
-              <a:t>: When feeding the pet the user has the option to give a meal or a snack. A meal will keep the pet full for longer than a snack </a:t>
+              <a:rPr dirty="0"/>
+              <a:t>: When feeding the pet the user has the option to give a meal or a snack. A meal wil</a:t>
             </a:r>
+            <a:r>
+              <a:rPr lang="en-US" dirty="0"/>
+              <a:t>l give</a:t>
+            </a:r>
+            <a:r>
+              <a:rPr dirty="0"/>
+              <a:t> </a:t>
+            </a:r>
+            <a:r>
+              <a:rPr lang="en-US" dirty="0"/>
+              <a:t>better rewards than a snack</a:t>
+            </a:r>
+            <a:endParaRPr dirty="0"/>
           </a:p>
         </p:txBody>
       </p:sp>
@@ -9489,7 +9708,7 @@
           <a:blip r:embed="rId2">
             <a:extLst/>
           </a:blip>
-          <a:srcRect l="0" t="7964" r="45652" b="68159"/>
+          <a:srcRect t="7964" r="45652" b="68159"/>
           <a:stretch>
             <a:fillRect/>
           </a:stretch>
@@ -9519,7 +9738,7 @@
           <a:blip r:embed="rId3">
             <a:extLst/>
           </a:blip>
-          <a:srcRect l="0" t="60383" r="0" b="7071"/>
+          <a:srcRect t="60383" b="7071"/>
           <a:stretch>
             <a:fillRect/>
           </a:stretch>
@@ -9556,7 +9775,7 @@
           </a:ln>
           <a:extLst>
             <a:ext uri="{C572A759-6A51-4108-AA02-DFA0A04FC94B}">
-              <ma14:wrappingTextBoxFlag xmlns:ma14="http://schemas.microsoft.com/office/mac/drawingml/2011/main" val="1"/>
+              <ma14:wrappingTextBoxFlag xmlns:ma14="http://schemas.microsoft.com/office/mac/drawingml/2011/main" xmlns:a14="http://schemas.microsoft.com/office/drawing/2010/main" xmlns:m="http://schemas.openxmlformats.org/officeDocument/2006/math" xmlns="" val="1"/>
             </a:ext>
           </a:extLst>
         </p:spPr>
@@ -9576,7 +9795,7 @@
               <a:buSzPts val="1200"/>
               <a:buFont typeface="Helvetica"/>
               <a:buChar char="●"/>
-              <a:defRPr b="1" sz="1200" u="sng">
+              <a:defRPr sz="1200" b="1" u="sng">
                 <a:solidFill>
                   <a:srgbClr val="FFFFFF"/>
                 </a:solidFill>
@@ -9605,7 +9824,7 @@
         <p:spPr>
           <a:xfrm>
             <a:off x="5534639" y="3815699"/>
-            <a:ext cx="3426484" cy="889001"/>
+            <a:ext cx="3426484" cy="686983"/>
           </a:xfrm>
           <a:prstGeom prst="rect">
             <a:avLst/>
@@ -9615,7 +9834,7 @@
           </a:ln>
           <a:extLst>
             <a:ext uri="{C572A759-6A51-4108-AA02-DFA0A04FC94B}">
-              <ma14:wrappingTextBoxFlag xmlns:ma14="http://schemas.microsoft.com/office/mac/drawingml/2011/main" val="1"/>
+              <ma14:wrappingTextBoxFlag xmlns:ma14="http://schemas.microsoft.com/office/mac/drawingml/2011/main" xmlns:a14="http://schemas.microsoft.com/office/drawing/2010/main" xmlns:m="http://schemas.openxmlformats.org/officeDocument/2006/math" xmlns="" val="1"/>
             </a:ext>
           </a:extLst>
         </p:spPr>
@@ -9635,7 +9854,7 @@
               <a:buSzPts val="1200"/>
               <a:buFont typeface="Helvetica"/>
               <a:buChar char="●"/>
-              <a:defRPr b="1" sz="1200" u="sng">
+              <a:defRPr sz="1200" b="1" u="sng">
                 <a:solidFill>
                   <a:srgbClr val="FFFFFF"/>
                 </a:solidFill>
@@ -9646,11 +9865,12 @@
               </a:defRPr>
             </a:pPr>
             <a:r>
+              <a:rPr dirty="0"/>
               <a:t>STORE:</a:t>
             </a:r>
             <a:r>
-              <a:rPr b="0" u="none"/>
-              <a:t> The user has the option to use money earned by adult pets to buy items such as food and medicine</a:t>
+              <a:rPr b="0" u="none" dirty="0"/>
+              <a:t> The user has the option to use money earned by pet to buy medicine</a:t>
             </a:r>
           </a:p>
         </p:txBody>
@@ -9664,7 +9884,7 @@
         <p:spPr>
           <a:xfrm>
             <a:off x="2898969" y="1553066"/>
-            <a:ext cx="2408197" cy="1600201"/>
+            <a:ext cx="2408197" cy="1794979"/>
           </a:xfrm>
           <a:prstGeom prst="rect">
             <a:avLst/>
@@ -9674,7 +9894,7 @@
           </a:ln>
           <a:extLst>
             <a:ext uri="{C572A759-6A51-4108-AA02-DFA0A04FC94B}">
-              <ma14:wrappingTextBoxFlag xmlns:ma14="http://schemas.microsoft.com/office/mac/drawingml/2011/main" val="1"/>
+              <ma14:wrappingTextBoxFlag xmlns:ma14="http://schemas.microsoft.com/office/mac/drawingml/2011/main" xmlns:a14="http://schemas.microsoft.com/office/drawing/2010/main" xmlns:m="http://schemas.openxmlformats.org/officeDocument/2006/math" xmlns="" val="1"/>
             </a:ext>
           </a:extLst>
         </p:spPr>
@@ -9705,45 +9925,32 @@
               </a:defRPr>
             </a:pPr>
             <a:r>
-              <a:rPr b="1" u="sng"/>
+              <a:rPr b="1" u="sng" dirty="0"/>
               <a:t>SLEEP:</a:t>
             </a:r>
             <a:r>
-              <a:t> The user can select the duration of time that the pet will sleep. The pet needs at least 7.5 hours of sleep each day to be healthy</a:t>
+              <a:rPr dirty="0"/>
+              <a:t> The user can select the duration of time that th</a:t>
+            </a:r>
+            <a:r>
+              <a:rPr lang="en-US" dirty="0"/>
+              <a:t>ey have </a:t>
+            </a:r>
+            <a:r>
+              <a:rPr dirty="0"/>
+              <a:t>sl</a:t>
+            </a:r>
+            <a:r>
+              <a:rPr lang="en-US" dirty="0"/>
+              <a:t>ept</a:t>
+            </a:r>
+            <a:r>
+              <a:rPr dirty="0"/>
+              <a:t>. The pet needs at least 7.5 hours of sleep each day to be healthy</a:t>
             </a:r>
           </a:p>
         </p:txBody>
       </p:sp>
-      <p:pic>
-        <p:nvPicPr>
-          <p:cNvPr id="228" name="IMG_1212.png" descr="IMG_1212.png"/>
-          <p:cNvPicPr>
-            <a:picLocks noChangeAspect="1"/>
-          </p:cNvPicPr>
-          <p:nvPr/>
-        </p:nvPicPr>
-        <p:blipFill>
-          <a:blip r:embed="rId4">
-            <a:extLst/>
-          </a:blip>
-          <a:srcRect l="0" t="50977" r="0" b="16975"/>
-          <a:stretch>
-            <a:fillRect/>
-          </a:stretch>
-        </p:blipFill>
-        <p:spPr>
-          <a:xfrm>
-            <a:off x="3353924" y="3500682"/>
-            <a:ext cx="1793756" cy="1244726"/>
-          </a:xfrm>
-          <a:prstGeom prst="rect">
-            <a:avLst/>
-          </a:prstGeom>
-          <a:ln w="12700">
-            <a:miter lim="400000"/>
-          </a:ln>
-        </p:spPr>
-      </p:pic>
       <p:sp>
         <p:nvSpPr>
           <p:cNvPr id="229" name="Meal    Snack"/>
@@ -9763,7 +9970,7 @@
           </a:ln>
           <a:extLst>
             <a:ext uri="{C572A759-6A51-4108-AA02-DFA0A04FC94B}">
-              <ma14:wrappingTextBoxFlag xmlns:ma14="http://schemas.microsoft.com/office/mac/drawingml/2011/main" val="1"/>
+              <ma14:wrappingTextBoxFlag xmlns:ma14="http://schemas.microsoft.com/office/mac/drawingml/2011/main" xmlns:a14="http://schemas.microsoft.com/office/drawing/2010/main" xmlns:m="http://schemas.openxmlformats.org/officeDocument/2006/math" xmlns="" val="1"/>
             </a:ext>
           </a:extLst>
         </p:spPr>
@@ -9773,24 +9980,58 @@
           </a:bodyPr>
           <a:lstStyle/>
           <a:p>
-            <a:pPr/>
             <a:r>
               <a:t>Meal    Snack</a:t>
             </a:r>
           </a:p>
         </p:txBody>
       </p:sp>
+      <p:pic>
+        <p:nvPicPr>
+          <p:cNvPr id="3" name="Picture 2">
+            <a:extLst>
+              <a:ext uri="{FF2B5EF4-FFF2-40B4-BE49-F238E27FC236}">
+                <a16:creationId xmlns:a16="http://schemas.microsoft.com/office/drawing/2014/main" id="{D8EF1C37-ABB5-7444-81B2-BCF6FA182092}"/>
+              </a:ext>
+            </a:extLst>
+          </p:cNvPr>
+          <p:cNvPicPr>
+            <a:picLocks noChangeAspect="1"/>
+          </p:cNvPicPr>
+          <p:nvPr/>
+        </p:nvPicPr>
+        <p:blipFill rotWithShape="1">
+          <a:blip r:embed="rId4">
+            <a:extLst>
+              <a:ext uri="{28A0092B-C50C-407E-A947-70E740481C1C}">
+                <a14:useLocalDpi xmlns:a14="http://schemas.microsoft.com/office/drawing/2010/main" val="0"/>
+              </a:ext>
+            </a:extLst>
+          </a:blip>
+          <a:srcRect l="-1" t="51886" r="-1476" b="14947"/>
+          <a:stretch/>
+        </p:blipFill>
+        <p:spPr>
+          <a:xfrm>
+            <a:off x="3251793" y="3489319"/>
+            <a:ext cx="2149475" cy="1521242"/>
+          </a:xfrm>
+          <a:prstGeom prst="rect">
+            <a:avLst/>
+          </a:prstGeom>
+        </p:spPr>
+      </p:pic>
     </p:spTree>
   </p:cSld>
   <p:clrMapOvr>
     <a:masterClrMapping/>
   </p:clrMapOvr>
-  <p:transition xmlns:p14="http://schemas.microsoft.com/office/powerpoint/2010/main" spd="med" advClick="1"/>
+  <p:transition spd="med"/>
 </p:sld>
 </file>
 
 <file path=ppt/slides/slide7.xml><?xml version="1.0" encoding="utf-8"?>
-<p:sld xmlns:a="http://schemas.openxmlformats.org/drawingml/2006/main" xmlns:r="http://schemas.openxmlformats.org/officeDocument/2006/relationships" xmlns:p="http://schemas.openxmlformats.org/presentationml/2006/main" xmlns:m="http://schemas.openxmlformats.org/officeDocument/2006/math" xmlns:a14="http://schemas.microsoft.com/office/drawing/2010/main" showMasterSp="1" showMasterPhAnim="1">
+<p:sld xmlns:a="http://schemas.openxmlformats.org/drawingml/2006/main" xmlns:r="http://schemas.openxmlformats.org/officeDocument/2006/relationships" xmlns:p="http://schemas.openxmlformats.org/presentationml/2006/main">
   <p:cSld>
     <p:spTree>
       <p:nvGrpSpPr>
@@ -9809,7 +10050,9 @@
       <p:sp>
         <p:nvSpPr>
           <p:cNvPr id="231" name="Overall Project Architecture"/>
-          <p:cNvSpPr txBox="1"/>
+          <p:cNvSpPr txBox="1">
+            <a:spLocks noGrp="1"/>
+          </p:cNvSpPr>
           <p:nvPr>
             <p:ph type="title"/>
           </p:nvPr>
@@ -9827,7 +10070,6 @@
           <a:bodyPr/>
           <a:lstStyle/>
           <a:p>
-            <a:pPr/>
             <a:r>
               <a:t>Overall Project Architecture</a:t>
             </a:r>
@@ -9869,12 +10111,12 @@
   <p:clrMapOvr>
     <a:masterClrMapping/>
   </p:clrMapOvr>
-  <p:transition xmlns:p14="http://schemas.microsoft.com/office/powerpoint/2010/main" spd="med" advClick="1"/>
+  <p:transition spd="med"/>
 </p:sld>
 </file>
 
 <file path=ppt/slides/slide8.xml><?xml version="1.0" encoding="utf-8"?>
-<p:sld xmlns:a="http://schemas.openxmlformats.org/drawingml/2006/main" xmlns:r="http://schemas.openxmlformats.org/officeDocument/2006/relationships" xmlns:p="http://schemas.openxmlformats.org/presentationml/2006/main" xmlns:m="http://schemas.openxmlformats.org/officeDocument/2006/math" xmlns:a14="http://schemas.microsoft.com/office/drawing/2010/main" showMasterSp="1" showMasterPhAnim="1">
+<p:sld xmlns:a="http://schemas.openxmlformats.org/drawingml/2006/main" xmlns:r="http://schemas.openxmlformats.org/officeDocument/2006/relationships" xmlns:p="http://schemas.openxmlformats.org/presentationml/2006/main">
   <p:cSld>
     <p:spTree>
       <p:nvGrpSpPr>
@@ -9893,7 +10135,9 @@
       <p:sp>
         <p:nvSpPr>
           <p:cNvPr id="234" name="Google Shape;169;p18"/>
-          <p:cNvSpPr txBox="1"/>
+          <p:cNvSpPr txBox="1">
+            <a:spLocks noGrp="1"/>
+          </p:cNvSpPr>
           <p:nvPr>
             <p:ph type="title"/>
           </p:nvPr>
@@ -9915,7 +10159,6 @@
             </a:lvl1pPr>
           </a:lstStyle>
           <a:p>
-            <a:pPr/>
             <a:r>
               <a:t>Thank You!</a:t>
             </a:r>
@@ -9927,12 +10170,12 @@
   <p:clrMapOvr>
     <a:masterClrMapping/>
   </p:clrMapOvr>
-  <p:transition xmlns:p14="http://schemas.microsoft.com/office/powerpoint/2010/main" spd="med" advClick="1"/>
+  <p:transition spd="med"/>
 </p:sld>
 </file>
 
 <file path=ppt/theme/theme1.xml><?xml version="1.0" encoding="utf-8"?>
-<a:theme xmlns:a="http://schemas.openxmlformats.org/drawingml/2006/main" xmlns:r="http://schemas.openxmlformats.org/officeDocument/2006/relationships" name="Focus">
+<a:theme xmlns:a="http://schemas.openxmlformats.org/drawingml/2006/main" name="Focus">
   <a:themeElements>
     <a:clrScheme name="Focus">
       <a:dk1>
@@ -10064,7 +10307,7 @@
         </a:effectStyle>
         <a:effectStyle>
           <a:effectLst>
-            <a:outerShdw sx="100000" sy="100000" kx="0" ky="0" algn="b" rotWithShape="0" blurRad="38100" dist="20000" dir="5400000">
+            <a:outerShdw blurRad="38100" dist="20000" dir="5400000" rotWithShape="0">
               <a:srgbClr val="000000">
                 <a:alpha val="38000"/>
               </a:srgbClr>
@@ -10140,7 +10383,7 @@
         <a:effectLst/>
         <a:sp3d/>
       </a:spPr>
-      <a:bodyPr rot="0" spcFirstLastPara="1" vertOverflow="overflow" horzOverflow="overflow" vert="horz" wrap="square" lIns="0" tIns="0" rIns="0" bIns="0" numCol="1" spcCol="38100" rtlCol="0" anchor="t" upright="0">
+      <a:bodyPr rot="0" spcFirstLastPara="1" vertOverflow="overflow" horzOverflow="overflow" vert="horz" wrap="square" lIns="0" tIns="0" rIns="0" bIns="0" numCol="1" spcCol="38100" rtlCol="0" anchor="t">
         <a:spAutoFit/>
       </a:bodyPr>
       <a:lstStyle>
@@ -10159,7 +10402,7 @@
           <a:buFontTx/>
           <a:buNone/>
           <a:tabLst/>
-          <a:defRPr b="0" baseline="0" cap="none" i="0" spc="0" strike="noStrike" sz="1400" u="none" kumimoji="0" normalizeH="0">
+          <a:defRPr kumimoji="0" sz="1400" b="0" i="0" u="none" strike="noStrike" cap="none" spc="0" normalizeH="0" baseline="0">
             <a:ln>
               <a:noFill/>
             </a:ln>
@@ -10189,7 +10432,7 @@
           <a:buFontTx/>
           <a:buNone/>
           <a:tabLst/>
-          <a:defRPr b="0" baseline="0" cap="none" i="0" spc="0" strike="noStrike" sz="1800" u="none" kumimoji="0" normalizeH="0">
+          <a:defRPr kumimoji="0" sz="1800" b="0" i="0" u="none" strike="noStrike" cap="none" spc="0" normalizeH="0" baseline="0">
             <a:ln>
               <a:noFill/>
             </a:ln>
@@ -10215,7 +10458,7 @@
           <a:buFontTx/>
           <a:buNone/>
           <a:tabLst/>
-          <a:defRPr b="0" baseline="0" cap="none" i="0" spc="0" strike="noStrike" sz="1800" u="none" kumimoji="0" normalizeH="0">
+          <a:defRPr kumimoji="0" sz="1800" b="0" i="0" u="none" strike="noStrike" cap="none" spc="0" normalizeH="0" baseline="0">
             <a:ln>
               <a:noFill/>
             </a:ln>
@@ -10241,7 +10484,7 @@
           <a:buFontTx/>
           <a:buNone/>
           <a:tabLst/>
-          <a:defRPr b="0" baseline="0" cap="none" i="0" spc="0" strike="noStrike" sz="1800" u="none" kumimoji="0" normalizeH="0">
+          <a:defRPr kumimoji="0" sz="1800" b="0" i="0" u="none" strike="noStrike" cap="none" spc="0" normalizeH="0" baseline="0">
             <a:ln>
               <a:noFill/>
             </a:ln>
@@ -10267,7 +10510,7 @@
           <a:buFontTx/>
           <a:buNone/>
           <a:tabLst/>
-          <a:defRPr b="0" baseline="0" cap="none" i="0" spc="0" strike="noStrike" sz="1800" u="none" kumimoji="0" normalizeH="0">
+          <a:defRPr kumimoji="0" sz="1800" b="0" i="0" u="none" strike="noStrike" cap="none" spc="0" normalizeH="0" baseline="0">
             <a:ln>
               <a:noFill/>
             </a:ln>
@@ -10293,7 +10536,7 @@
           <a:buFontTx/>
           <a:buNone/>
           <a:tabLst/>
-          <a:defRPr b="0" baseline="0" cap="none" i="0" spc="0" strike="noStrike" sz="1800" u="none" kumimoji="0" normalizeH="0">
+          <a:defRPr kumimoji="0" sz="1800" b="0" i="0" u="none" strike="noStrike" cap="none" spc="0" normalizeH="0" baseline="0">
             <a:ln>
               <a:noFill/>
             </a:ln>
@@ -10319,7 +10562,7 @@
           <a:buFontTx/>
           <a:buNone/>
           <a:tabLst/>
-          <a:defRPr b="0" baseline="0" cap="none" i="0" spc="0" strike="noStrike" sz="1800" u="none" kumimoji="0" normalizeH="0">
+          <a:defRPr kumimoji="0" sz="1800" b="0" i="0" u="none" strike="noStrike" cap="none" spc="0" normalizeH="0" baseline="0">
             <a:ln>
               <a:noFill/>
             </a:ln>
@@ -10345,7 +10588,7 @@
           <a:buFontTx/>
           <a:buNone/>
           <a:tabLst/>
-          <a:defRPr b="0" baseline="0" cap="none" i="0" spc="0" strike="noStrike" sz="1800" u="none" kumimoji="0" normalizeH="0">
+          <a:defRPr kumimoji="0" sz="1800" b="0" i="0" u="none" strike="noStrike" cap="none" spc="0" normalizeH="0" baseline="0">
             <a:ln>
               <a:noFill/>
             </a:ln>
@@ -10371,7 +10614,7 @@
           <a:buFontTx/>
           <a:buNone/>
           <a:tabLst/>
-          <a:defRPr b="0" baseline="0" cap="none" i="0" spc="0" strike="noStrike" sz="1800" u="none" kumimoji="0" normalizeH="0">
+          <a:defRPr kumimoji="0" sz="1800" b="0" i="0" u="none" strike="noStrike" cap="none" spc="0" normalizeH="0" baseline="0">
             <a:ln>
               <a:noFill/>
             </a:ln>
@@ -10397,7 +10640,7 @@
           <a:buFontTx/>
           <a:buNone/>
           <a:tabLst/>
-          <a:defRPr b="0" baseline="0" cap="none" i="0" spc="0" strike="noStrike" sz="1800" u="none" kumimoji="0" normalizeH="0">
+          <a:defRPr kumimoji="0" sz="1800" b="0" i="0" u="none" strike="noStrike" cap="none" spc="0" normalizeH="0" baseline="0">
             <a:ln>
               <a:noFill/>
             </a:ln>
@@ -10410,9 +10653,15 @@
         </a:lvl9pPr>
       </a:lstStyle>
       <a:style>
-        <a:lnRef idx="0"/>
-        <a:fillRef idx="0"/>
-        <a:effectRef idx="0"/>
+        <a:lnRef idx="0">
+          <a:scrgbClr r="0" g="0" b="0"/>
+        </a:lnRef>
+        <a:fillRef idx="0">
+          <a:scrgbClr r="0" g="0" b="0"/>
+        </a:fillRef>
+        <a:effectRef idx="0">
+          <a:scrgbClr r="0" g="0" b="0"/>
+        </a:effectRef>
         <a:fontRef idx="none"/>
       </a:style>
     </a:spDef>
@@ -10427,7 +10676,7 @@
           <a:round/>
         </a:ln>
         <a:effectLst>
-          <a:outerShdw sx="100000" sy="100000" kx="0" ky="0" algn="b" rotWithShape="0" blurRad="38100" dist="20000" dir="5400000">
+          <a:outerShdw blurRad="38100" dist="20000" dir="5400000" rotWithShape="0">
             <a:srgbClr val="000000">
               <a:alpha val="38000"/>
             </a:srgbClr>
@@ -10435,7 +10684,7 @@
         </a:effectLst>
         <a:sp3d/>
       </a:spPr>
-      <a:bodyPr rot="0" spcFirstLastPara="1" vertOverflow="overflow" horzOverflow="overflow" vert="horz" wrap="square" lIns="91439" tIns="45719" rIns="91439" bIns="45719" numCol="1" spcCol="38100" rtlCol="0" anchor="t" upright="0">
+      <a:bodyPr rot="0" spcFirstLastPara="1" vertOverflow="overflow" horzOverflow="overflow" vert="horz" wrap="square" lIns="91439" tIns="45719" rIns="91439" bIns="45719" numCol="1" spcCol="38100" rtlCol="0" anchor="t">
         <a:noAutofit/>
       </a:bodyPr>
       <a:lstStyle>
@@ -10454,7 +10703,7 @@
           <a:buFontTx/>
           <a:buNone/>
           <a:tabLst/>
-          <a:defRPr b="0" baseline="0" cap="none" i="0" spc="0" strike="noStrike" sz="1800" u="none" kumimoji="0" normalizeH="0">
+          <a:defRPr kumimoji="0" sz="1800" b="0" i="0" u="none" strike="noStrike" cap="none" spc="0" normalizeH="0" baseline="0">
             <a:ln>
               <a:noFill/>
             </a:ln>
@@ -10480,7 +10729,7 @@
           <a:buFontTx/>
           <a:buNone/>
           <a:tabLst/>
-          <a:defRPr b="0" baseline="0" cap="none" i="0" spc="0" strike="noStrike" sz="1800" u="none" kumimoji="0" normalizeH="0">
+          <a:defRPr kumimoji="0" sz="1800" b="0" i="0" u="none" strike="noStrike" cap="none" spc="0" normalizeH="0" baseline="0">
             <a:ln>
               <a:noFill/>
             </a:ln>
@@ -10506,7 +10755,7 @@
           <a:buFontTx/>
           <a:buNone/>
           <a:tabLst/>
-          <a:defRPr b="0" baseline="0" cap="none" i="0" spc="0" strike="noStrike" sz="1800" u="none" kumimoji="0" normalizeH="0">
+          <a:defRPr kumimoji="0" sz="1800" b="0" i="0" u="none" strike="noStrike" cap="none" spc="0" normalizeH="0" baseline="0">
             <a:ln>
               <a:noFill/>
             </a:ln>
@@ -10532,7 +10781,7 @@
           <a:buFontTx/>
           <a:buNone/>
           <a:tabLst/>
-          <a:defRPr b="0" baseline="0" cap="none" i="0" spc="0" strike="noStrike" sz="1800" u="none" kumimoji="0" normalizeH="0">
+          <a:defRPr kumimoji="0" sz="1800" b="0" i="0" u="none" strike="noStrike" cap="none" spc="0" normalizeH="0" baseline="0">
             <a:ln>
               <a:noFill/>
             </a:ln>
@@ -10558,7 +10807,7 @@
           <a:buFontTx/>
           <a:buNone/>
           <a:tabLst/>
-          <a:defRPr b="0" baseline="0" cap="none" i="0" spc="0" strike="noStrike" sz="1800" u="none" kumimoji="0" normalizeH="0">
+          <a:defRPr kumimoji="0" sz="1800" b="0" i="0" u="none" strike="noStrike" cap="none" spc="0" normalizeH="0" baseline="0">
             <a:ln>
               <a:noFill/>
             </a:ln>
@@ -10584,7 +10833,7 @@
           <a:buFontTx/>
           <a:buNone/>
           <a:tabLst/>
-          <a:defRPr b="0" baseline="0" cap="none" i="0" spc="0" strike="noStrike" sz="1800" u="none" kumimoji="0" normalizeH="0">
+          <a:defRPr kumimoji="0" sz="1800" b="0" i="0" u="none" strike="noStrike" cap="none" spc="0" normalizeH="0" baseline="0">
             <a:ln>
               <a:noFill/>
             </a:ln>
@@ -10610,7 +10859,7 @@
           <a:buFontTx/>
           <a:buNone/>
           <a:tabLst/>
-          <a:defRPr b="0" baseline="0" cap="none" i="0" spc="0" strike="noStrike" sz="1800" u="none" kumimoji="0" normalizeH="0">
+          <a:defRPr kumimoji="0" sz="1800" b="0" i="0" u="none" strike="noStrike" cap="none" spc="0" normalizeH="0" baseline="0">
             <a:ln>
               <a:noFill/>
             </a:ln>
@@ -10636,7 +10885,7 @@
           <a:buFontTx/>
           <a:buNone/>
           <a:tabLst/>
-          <a:defRPr b="0" baseline="0" cap="none" i="0" spc="0" strike="noStrike" sz="1800" u="none" kumimoji="0" normalizeH="0">
+          <a:defRPr kumimoji="0" sz="1800" b="0" i="0" u="none" strike="noStrike" cap="none" spc="0" normalizeH="0" baseline="0">
             <a:ln>
               <a:noFill/>
             </a:ln>
@@ -10662,7 +10911,7 @@
           <a:buFontTx/>
           <a:buNone/>
           <a:tabLst/>
-          <a:defRPr b="0" baseline="0" cap="none" i="0" spc="0" strike="noStrike" sz="1800" u="none" kumimoji="0" normalizeH="0">
+          <a:defRPr kumimoji="0" sz="1800" b="0" i="0" u="none" strike="noStrike" cap="none" spc="0" normalizeH="0" baseline="0">
             <a:ln>
               <a:noFill/>
             </a:ln>
@@ -10688,7 +10937,7 @@
           <a:buFontTx/>
           <a:buNone/>
           <a:tabLst/>
-          <a:defRPr b="0" baseline="0" cap="none" i="0" spc="0" strike="noStrike" sz="1800" u="none" kumimoji="0" normalizeH="0">
+          <a:defRPr kumimoji="0" sz="1800" b="0" i="0" u="none" strike="noStrike" cap="none" spc="0" normalizeH="0" baseline="0">
             <a:ln>
               <a:noFill/>
             </a:ln>
@@ -10701,9 +10950,15 @@
         </a:lvl9pPr>
       </a:lstStyle>
       <a:style>
-        <a:lnRef idx="0"/>
-        <a:fillRef idx="0"/>
-        <a:effectRef idx="0"/>
+        <a:lnRef idx="0">
+          <a:scrgbClr r="0" g="0" b="0"/>
+        </a:lnRef>
+        <a:fillRef idx="0">
+          <a:scrgbClr r="0" g="0" b="0"/>
+        </a:fillRef>
+        <a:effectRef idx="0">
+          <a:scrgbClr r="0" g="0" b="0"/>
+        </a:effectRef>
         <a:fontRef idx="none"/>
       </a:style>
     </a:lnDef>
@@ -10717,7 +10972,7 @@
         <a:effectLst/>
         <a:sp3d/>
       </a:spPr>
-      <a:bodyPr rot="0" spcFirstLastPara="1" vertOverflow="overflow" horzOverflow="overflow" vert="horz" wrap="square" lIns="0" tIns="0" rIns="0" bIns="0" numCol="1" spcCol="38100" rtlCol="0" anchor="t" upright="0">
+      <a:bodyPr rot="0" spcFirstLastPara="1" vertOverflow="overflow" horzOverflow="overflow" vert="horz" wrap="square" lIns="0" tIns="0" rIns="0" bIns="0" numCol="1" spcCol="38100" rtlCol="0" anchor="t">
         <a:spAutoFit/>
       </a:bodyPr>
       <a:lstStyle>
@@ -10736,7 +10991,7 @@
           <a:buFontTx/>
           <a:buNone/>
           <a:tabLst/>
-          <a:defRPr b="0" baseline="0" cap="none" i="0" spc="0" strike="noStrike" sz="1400" u="none" kumimoji="0" normalizeH="0">
+          <a:defRPr kumimoji="0" sz="1400" b="0" i="0" u="none" strike="noStrike" cap="none" spc="0" normalizeH="0" baseline="0">
             <a:ln>
               <a:noFill/>
             </a:ln>
@@ -10766,7 +11021,7 @@
           <a:buFontTx/>
           <a:buNone/>
           <a:tabLst/>
-          <a:defRPr b="0" baseline="0" cap="none" i="0" spc="0" strike="noStrike" sz="1800" u="none" kumimoji="0" normalizeH="0">
+          <a:defRPr kumimoji="0" sz="1800" b="0" i="0" u="none" strike="noStrike" cap="none" spc="0" normalizeH="0" baseline="0">
             <a:ln>
               <a:noFill/>
             </a:ln>
@@ -10792,7 +11047,7 @@
           <a:buFontTx/>
           <a:buNone/>
           <a:tabLst/>
-          <a:defRPr b="0" baseline="0" cap="none" i="0" spc="0" strike="noStrike" sz="1800" u="none" kumimoji="0" normalizeH="0">
+          <a:defRPr kumimoji="0" sz="1800" b="0" i="0" u="none" strike="noStrike" cap="none" spc="0" normalizeH="0" baseline="0">
             <a:ln>
               <a:noFill/>
             </a:ln>
@@ -10818,7 +11073,7 @@
           <a:buFontTx/>
           <a:buNone/>
           <a:tabLst/>
-          <a:defRPr b="0" baseline="0" cap="none" i="0" spc="0" strike="noStrike" sz="1800" u="none" kumimoji="0" normalizeH="0">
+          <a:defRPr kumimoji="0" sz="1800" b="0" i="0" u="none" strike="noStrike" cap="none" spc="0" normalizeH="0" baseline="0">
             <a:ln>
               <a:noFill/>
             </a:ln>
@@ -10844,7 +11099,7 @@
           <a:buFontTx/>
           <a:buNone/>
           <a:tabLst/>
-          <a:defRPr b="0" baseline="0" cap="none" i="0" spc="0" strike="noStrike" sz="1800" u="none" kumimoji="0" normalizeH="0">
+          <a:defRPr kumimoji="0" sz="1800" b="0" i="0" u="none" strike="noStrike" cap="none" spc="0" normalizeH="0" baseline="0">
             <a:ln>
               <a:noFill/>
             </a:ln>
@@ -10870,7 +11125,7 @@
           <a:buFontTx/>
           <a:buNone/>
           <a:tabLst/>
-          <a:defRPr b="0" baseline="0" cap="none" i="0" spc="0" strike="noStrike" sz="1800" u="none" kumimoji="0" normalizeH="0">
+          <a:defRPr kumimoji="0" sz="1800" b="0" i="0" u="none" strike="noStrike" cap="none" spc="0" normalizeH="0" baseline="0">
             <a:ln>
               <a:noFill/>
             </a:ln>
@@ -10896,7 +11151,7 @@
           <a:buFontTx/>
           <a:buNone/>
           <a:tabLst/>
-          <a:defRPr b="0" baseline="0" cap="none" i="0" spc="0" strike="noStrike" sz="1800" u="none" kumimoji="0" normalizeH="0">
+          <a:defRPr kumimoji="0" sz="1800" b="0" i="0" u="none" strike="noStrike" cap="none" spc="0" normalizeH="0" baseline="0">
             <a:ln>
               <a:noFill/>
             </a:ln>
@@ -10922,7 +11177,7 @@
           <a:buFontTx/>
           <a:buNone/>
           <a:tabLst/>
-          <a:defRPr b="0" baseline="0" cap="none" i="0" spc="0" strike="noStrike" sz="1800" u="none" kumimoji="0" normalizeH="0">
+          <a:defRPr kumimoji="0" sz="1800" b="0" i="0" u="none" strike="noStrike" cap="none" spc="0" normalizeH="0" baseline="0">
             <a:ln>
               <a:noFill/>
             </a:ln>
@@ -10948,7 +11203,7 @@
           <a:buFontTx/>
           <a:buNone/>
           <a:tabLst/>
-          <a:defRPr b="0" baseline="0" cap="none" i="0" spc="0" strike="noStrike" sz="1800" u="none" kumimoji="0" normalizeH="0">
+          <a:defRPr kumimoji="0" sz="1800" b="0" i="0" u="none" strike="noStrike" cap="none" spc="0" normalizeH="0" baseline="0">
             <a:ln>
               <a:noFill/>
             </a:ln>
@@ -10974,7 +11229,7 @@
           <a:buFontTx/>
           <a:buNone/>
           <a:tabLst/>
-          <a:defRPr b="0" baseline="0" cap="none" i="0" spc="0" strike="noStrike" sz="1800" u="none" kumimoji="0" normalizeH="0">
+          <a:defRPr kumimoji="0" sz="1800" b="0" i="0" u="none" strike="noStrike" cap="none" spc="0" normalizeH="0" baseline="0">
             <a:ln>
               <a:noFill/>
             </a:ln>
@@ -10987,18 +11242,25 @@
         </a:lvl9pPr>
       </a:lstStyle>
       <a:style>
-        <a:lnRef idx="0"/>
-        <a:fillRef idx="0"/>
-        <a:effectRef idx="0"/>
+        <a:lnRef idx="0">
+          <a:scrgbClr r="0" g="0" b="0"/>
+        </a:lnRef>
+        <a:fillRef idx="0">
+          <a:scrgbClr r="0" g="0" b="0"/>
+        </a:fillRef>
+        <a:effectRef idx="0">
+          <a:scrgbClr r="0" g="0" b="0"/>
+        </a:effectRef>
         <a:fontRef idx="none"/>
       </a:style>
     </a:txDef>
   </a:objectDefaults>
+  <a:extraClrSchemeLst/>
 </a:theme>
 </file>
 
 <file path=ppt/theme/theme2.xml><?xml version="1.0" encoding="utf-8"?>
-<a:theme xmlns:a="http://schemas.openxmlformats.org/drawingml/2006/main" xmlns:r="http://schemas.openxmlformats.org/officeDocument/2006/relationships" name="Focus">
+<a:theme xmlns:a="http://schemas.openxmlformats.org/drawingml/2006/main" name="Focus">
   <a:themeElements>
     <a:clrScheme name="Focus">
       <a:dk1>
@@ -11130,7 +11392,7 @@
         </a:effectStyle>
         <a:effectStyle>
           <a:effectLst>
-            <a:outerShdw sx="100000" sy="100000" kx="0" ky="0" algn="b" rotWithShape="0" blurRad="38100" dist="20000" dir="5400000">
+            <a:outerShdw blurRad="38100" dist="20000" dir="5400000" rotWithShape="0">
               <a:srgbClr val="000000">
                 <a:alpha val="38000"/>
               </a:srgbClr>
@@ -11206,7 +11468,7 @@
         <a:effectLst/>
         <a:sp3d/>
       </a:spPr>
-      <a:bodyPr rot="0" spcFirstLastPara="1" vertOverflow="overflow" horzOverflow="overflow" vert="horz" wrap="square" lIns="0" tIns="0" rIns="0" bIns="0" numCol="1" spcCol="38100" rtlCol="0" anchor="t" upright="0">
+      <a:bodyPr rot="0" spcFirstLastPara="1" vertOverflow="overflow" horzOverflow="overflow" vert="horz" wrap="square" lIns="0" tIns="0" rIns="0" bIns="0" numCol="1" spcCol="38100" rtlCol="0" anchor="t">
         <a:spAutoFit/>
       </a:bodyPr>
       <a:lstStyle>
@@ -11225,7 +11487,7 @@
           <a:buFontTx/>
           <a:buNone/>
           <a:tabLst/>
-          <a:defRPr b="0" baseline="0" cap="none" i="0" spc="0" strike="noStrike" sz="1400" u="none" kumimoji="0" normalizeH="0">
+          <a:defRPr kumimoji="0" sz="1400" b="0" i="0" u="none" strike="noStrike" cap="none" spc="0" normalizeH="0" baseline="0">
             <a:ln>
               <a:noFill/>
             </a:ln>
@@ -11255,7 +11517,7 @@
           <a:buFontTx/>
           <a:buNone/>
           <a:tabLst/>
-          <a:defRPr b="0" baseline="0" cap="none" i="0" spc="0" strike="noStrike" sz="1800" u="none" kumimoji="0" normalizeH="0">
+          <a:defRPr kumimoji="0" sz="1800" b="0" i="0" u="none" strike="noStrike" cap="none" spc="0" normalizeH="0" baseline="0">
             <a:ln>
               <a:noFill/>
             </a:ln>
@@ -11281,7 +11543,7 @@
           <a:buFontTx/>
           <a:buNone/>
           <a:tabLst/>
-          <a:defRPr b="0" baseline="0" cap="none" i="0" spc="0" strike="noStrike" sz="1800" u="none" kumimoji="0" normalizeH="0">
+          <a:defRPr kumimoji="0" sz="1800" b="0" i="0" u="none" strike="noStrike" cap="none" spc="0" normalizeH="0" baseline="0">
             <a:ln>
               <a:noFill/>
             </a:ln>
@@ -11307,7 +11569,7 @@
           <a:buFontTx/>
           <a:buNone/>
           <a:tabLst/>
-          <a:defRPr b="0" baseline="0" cap="none" i="0" spc="0" strike="noStrike" sz="1800" u="none" kumimoji="0" normalizeH="0">
+          <a:defRPr kumimoji="0" sz="1800" b="0" i="0" u="none" strike="noStrike" cap="none" spc="0" normalizeH="0" baseline="0">
             <a:ln>
               <a:noFill/>
             </a:ln>
@@ -11333,7 +11595,7 @@
           <a:buFontTx/>
           <a:buNone/>
           <a:tabLst/>
-          <a:defRPr b="0" baseline="0" cap="none" i="0" spc="0" strike="noStrike" sz="1800" u="none" kumimoji="0" normalizeH="0">
+          <a:defRPr kumimoji="0" sz="1800" b="0" i="0" u="none" strike="noStrike" cap="none" spc="0" normalizeH="0" baseline="0">
             <a:ln>
               <a:noFill/>
             </a:ln>
@@ -11359,7 +11621,7 @@
           <a:buFontTx/>
           <a:buNone/>
           <a:tabLst/>
-          <a:defRPr b="0" baseline="0" cap="none" i="0" spc="0" strike="noStrike" sz="1800" u="none" kumimoji="0" normalizeH="0">
+          <a:defRPr kumimoji="0" sz="1800" b="0" i="0" u="none" strike="noStrike" cap="none" spc="0" normalizeH="0" baseline="0">
             <a:ln>
               <a:noFill/>
             </a:ln>
@@ -11385,7 +11647,7 @@
           <a:buFontTx/>
           <a:buNone/>
           <a:tabLst/>
-          <a:defRPr b="0" baseline="0" cap="none" i="0" spc="0" strike="noStrike" sz="1800" u="none" kumimoji="0" normalizeH="0">
+          <a:defRPr kumimoji="0" sz="1800" b="0" i="0" u="none" strike="noStrike" cap="none" spc="0" normalizeH="0" baseline="0">
             <a:ln>
               <a:noFill/>
             </a:ln>
@@ -11411,7 +11673,7 @@
           <a:buFontTx/>
           <a:buNone/>
           <a:tabLst/>
-          <a:defRPr b="0" baseline="0" cap="none" i="0" spc="0" strike="noStrike" sz="1800" u="none" kumimoji="0" normalizeH="0">
+          <a:defRPr kumimoji="0" sz="1800" b="0" i="0" u="none" strike="noStrike" cap="none" spc="0" normalizeH="0" baseline="0">
             <a:ln>
               <a:noFill/>
             </a:ln>
@@ -11437,7 +11699,7 @@
           <a:buFontTx/>
           <a:buNone/>
           <a:tabLst/>
-          <a:defRPr b="0" baseline="0" cap="none" i="0" spc="0" strike="noStrike" sz="1800" u="none" kumimoji="0" normalizeH="0">
+          <a:defRPr kumimoji="0" sz="1800" b="0" i="0" u="none" strike="noStrike" cap="none" spc="0" normalizeH="0" baseline="0">
             <a:ln>
               <a:noFill/>
             </a:ln>
@@ -11463,7 +11725,7 @@
           <a:buFontTx/>
           <a:buNone/>
           <a:tabLst/>
-          <a:defRPr b="0" baseline="0" cap="none" i="0" spc="0" strike="noStrike" sz="1800" u="none" kumimoji="0" normalizeH="0">
+          <a:defRPr kumimoji="0" sz="1800" b="0" i="0" u="none" strike="noStrike" cap="none" spc="0" normalizeH="0" baseline="0">
             <a:ln>
               <a:noFill/>
             </a:ln>
@@ -11476,9 +11738,15 @@
         </a:lvl9pPr>
       </a:lstStyle>
       <a:style>
-        <a:lnRef idx="0"/>
-        <a:fillRef idx="0"/>
-        <a:effectRef idx="0"/>
+        <a:lnRef idx="0">
+          <a:scrgbClr r="0" g="0" b="0"/>
+        </a:lnRef>
+        <a:fillRef idx="0">
+          <a:scrgbClr r="0" g="0" b="0"/>
+        </a:fillRef>
+        <a:effectRef idx="0">
+          <a:scrgbClr r="0" g="0" b="0"/>
+        </a:effectRef>
         <a:fontRef idx="none"/>
       </a:style>
     </a:spDef>
@@ -11493,7 +11761,7 @@
           <a:round/>
         </a:ln>
         <a:effectLst>
-          <a:outerShdw sx="100000" sy="100000" kx="0" ky="0" algn="b" rotWithShape="0" blurRad="38100" dist="20000" dir="5400000">
+          <a:outerShdw blurRad="38100" dist="20000" dir="5400000" rotWithShape="0">
             <a:srgbClr val="000000">
               <a:alpha val="38000"/>
             </a:srgbClr>
@@ -11501,7 +11769,7 @@
         </a:effectLst>
         <a:sp3d/>
       </a:spPr>
-      <a:bodyPr rot="0" spcFirstLastPara="1" vertOverflow="overflow" horzOverflow="overflow" vert="horz" wrap="square" lIns="91439" tIns="45719" rIns="91439" bIns="45719" numCol="1" spcCol="38100" rtlCol="0" anchor="t" upright="0">
+      <a:bodyPr rot="0" spcFirstLastPara="1" vertOverflow="overflow" horzOverflow="overflow" vert="horz" wrap="square" lIns="91439" tIns="45719" rIns="91439" bIns="45719" numCol="1" spcCol="38100" rtlCol="0" anchor="t">
         <a:noAutofit/>
       </a:bodyPr>
       <a:lstStyle>
@@ -11520,7 +11788,7 @@
           <a:buFontTx/>
           <a:buNone/>
           <a:tabLst/>
-          <a:defRPr b="0" baseline="0" cap="none" i="0" spc="0" strike="noStrike" sz="1800" u="none" kumimoji="0" normalizeH="0">
+          <a:defRPr kumimoji="0" sz="1800" b="0" i="0" u="none" strike="noStrike" cap="none" spc="0" normalizeH="0" baseline="0">
             <a:ln>
               <a:noFill/>
             </a:ln>
@@ -11546,7 +11814,7 @@
           <a:buFontTx/>
           <a:buNone/>
           <a:tabLst/>
-          <a:defRPr b="0" baseline="0" cap="none" i="0" spc="0" strike="noStrike" sz="1800" u="none" kumimoji="0" normalizeH="0">
+          <a:defRPr kumimoji="0" sz="1800" b="0" i="0" u="none" strike="noStrike" cap="none" spc="0" normalizeH="0" baseline="0">
             <a:ln>
               <a:noFill/>
             </a:ln>
@@ -11572,7 +11840,7 @@
           <a:buFontTx/>
           <a:buNone/>
           <a:tabLst/>
-          <a:defRPr b="0" baseline="0" cap="none" i="0" spc="0" strike="noStrike" sz="1800" u="none" kumimoji="0" normalizeH="0">
+          <a:defRPr kumimoji="0" sz="1800" b="0" i="0" u="none" strike="noStrike" cap="none" spc="0" normalizeH="0" baseline="0">
             <a:ln>
               <a:noFill/>
             </a:ln>
@@ -11598,7 +11866,7 @@
           <a:buFontTx/>
           <a:buNone/>
           <a:tabLst/>
-          <a:defRPr b="0" baseline="0" cap="none" i="0" spc="0" strike="noStrike" sz="1800" u="none" kumimoji="0" normalizeH="0">
+          <a:defRPr kumimoji="0" sz="1800" b="0" i="0" u="none" strike="noStrike" cap="none" spc="0" normalizeH="0" baseline="0">
             <a:ln>
               <a:noFill/>
             </a:ln>
@@ -11624,7 +11892,7 @@
           <a:buFontTx/>
           <a:buNone/>
           <a:tabLst/>
-          <a:defRPr b="0" baseline="0" cap="none" i="0" spc="0" strike="noStrike" sz="1800" u="none" kumimoji="0" normalizeH="0">
+          <a:defRPr kumimoji="0" sz="1800" b="0" i="0" u="none" strike="noStrike" cap="none" spc="0" normalizeH="0" baseline="0">
             <a:ln>
               <a:noFill/>
             </a:ln>
@@ -11650,7 +11918,7 @@
           <a:buFontTx/>
           <a:buNone/>
           <a:tabLst/>
-          <a:defRPr b="0" baseline="0" cap="none" i="0" spc="0" strike="noStrike" sz="1800" u="none" kumimoji="0" normalizeH="0">
+          <a:defRPr kumimoji="0" sz="1800" b="0" i="0" u="none" strike="noStrike" cap="none" spc="0" normalizeH="0" baseline="0">
             <a:ln>
               <a:noFill/>
             </a:ln>
@@ -11676,7 +11944,7 @@
           <a:buFontTx/>
           <a:buNone/>
           <a:tabLst/>
-          <a:defRPr b="0" baseline="0" cap="none" i="0" spc="0" strike="noStrike" sz="1800" u="none" kumimoji="0" normalizeH="0">
+          <a:defRPr kumimoji="0" sz="1800" b="0" i="0" u="none" strike="noStrike" cap="none" spc="0" normalizeH="0" baseline="0">
             <a:ln>
               <a:noFill/>
             </a:ln>
@@ -11702,7 +11970,7 @@
           <a:buFontTx/>
           <a:buNone/>
           <a:tabLst/>
-          <a:defRPr b="0" baseline="0" cap="none" i="0" spc="0" strike="noStrike" sz="1800" u="none" kumimoji="0" normalizeH="0">
+          <a:defRPr kumimoji="0" sz="1800" b="0" i="0" u="none" strike="noStrike" cap="none" spc="0" normalizeH="0" baseline="0">
             <a:ln>
               <a:noFill/>
             </a:ln>
@@ -11728,7 +11996,7 @@
           <a:buFontTx/>
           <a:buNone/>
           <a:tabLst/>
-          <a:defRPr b="0" baseline="0" cap="none" i="0" spc="0" strike="noStrike" sz="1800" u="none" kumimoji="0" normalizeH="0">
+          <a:defRPr kumimoji="0" sz="1800" b="0" i="0" u="none" strike="noStrike" cap="none" spc="0" normalizeH="0" baseline="0">
             <a:ln>
               <a:noFill/>
             </a:ln>
@@ -11754,7 +12022,7 @@
           <a:buFontTx/>
           <a:buNone/>
           <a:tabLst/>
-          <a:defRPr b="0" baseline="0" cap="none" i="0" spc="0" strike="noStrike" sz="1800" u="none" kumimoji="0" normalizeH="0">
+          <a:defRPr kumimoji="0" sz="1800" b="0" i="0" u="none" strike="noStrike" cap="none" spc="0" normalizeH="0" baseline="0">
             <a:ln>
               <a:noFill/>
             </a:ln>
@@ -11767,9 +12035,15 @@
         </a:lvl9pPr>
       </a:lstStyle>
       <a:style>
-        <a:lnRef idx="0"/>
-        <a:fillRef idx="0"/>
-        <a:effectRef idx="0"/>
+        <a:lnRef idx="0">
+          <a:scrgbClr r="0" g="0" b="0"/>
+        </a:lnRef>
+        <a:fillRef idx="0">
+          <a:scrgbClr r="0" g="0" b="0"/>
+        </a:fillRef>
+        <a:effectRef idx="0">
+          <a:scrgbClr r="0" g="0" b="0"/>
+        </a:effectRef>
         <a:fontRef idx="none"/>
       </a:style>
     </a:lnDef>
@@ -11783,7 +12057,7 @@
         <a:effectLst/>
         <a:sp3d/>
       </a:spPr>
-      <a:bodyPr rot="0" spcFirstLastPara="1" vertOverflow="overflow" horzOverflow="overflow" vert="horz" wrap="square" lIns="0" tIns="0" rIns="0" bIns="0" numCol="1" spcCol="38100" rtlCol="0" anchor="t" upright="0">
+      <a:bodyPr rot="0" spcFirstLastPara="1" vertOverflow="overflow" horzOverflow="overflow" vert="horz" wrap="square" lIns="0" tIns="0" rIns="0" bIns="0" numCol="1" spcCol="38100" rtlCol="0" anchor="t">
         <a:spAutoFit/>
       </a:bodyPr>
       <a:lstStyle>
@@ -11802,7 +12076,7 @@
           <a:buFontTx/>
           <a:buNone/>
           <a:tabLst/>
-          <a:defRPr b="0" baseline="0" cap="none" i="0" spc="0" strike="noStrike" sz="1400" u="none" kumimoji="0" normalizeH="0">
+          <a:defRPr kumimoji="0" sz="1400" b="0" i="0" u="none" strike="noStrike" cap="none" spc="0" normalizeH="0" baseline="0">
             <a:ln>
               <a:noFill/>
             </a:ln>
@@ -11832,7 +12106,7 @@
           <a:buFontTx/>
           <a:buNone/>
           <a:tabLst/>
-          <a:defRPr b="0" baseline="0" cap="none" i="0" spc="0" strike="noStrike" sz="1800" u="none" kumimoji="0" normalizeH="0">
+          <a:defRPr kumimoji="0" sz="1800" b="0" i="0" u="none" strike="noStrike" cap="none" spc="0" normalizeH="0" baseline="0">
             <a:ln>
               <a:noFill/>
             </a:ln>
@@ -11858,7 +12132,7 @@
           <a:buFontTx/>
           <a:buNone/>
           <a:tabLst/>
-          <a:defRPr b="0" baseline="0" cap="none" i="0" spc="0" strike="noStrike" sz="1800" u="none" kumimoji="0" normalizeH="0">
+          <a:defRPr kumimoji="0" sz="1800" b="0" i="0" u="none" strike="noStrike" cap="none" spc="0" normalizeH="0" baseline="0">
             <a:ln>
               <a:noFill/>
             </a:ln>
@@ -11884,7 +12158,7 @@
           <a:buFontTx/>
           <a:buNone/>
           <a:tabLst/>
-          <a:defRPr b="0" baseline="0" cap="none" i="0" spc="0" strike="noStrike" sz="1800" u="none" kumimoji="0" normalizeH="0">
+          <a:defRPr kumimoji="0" sz="1800" b="0" i="0" u="none" strike="noStrike" cap="none" spc="0" normalizeH="0" baseline="0">
             <a:ln>
               <a:noFill/>
             </a:ln>
@@ -11910,7 +12184,7 @@
           <a:buFontTx/>
           <a:buNone/>
           <a:tabLst/>
-          <a:defRPr b="0" baseline="0" cap="none" i="0" spc="0" strike="noStrike" sz="1800" u="none" kumimoji="0" normalizeH="0">
+          <a:defRPr kumimoji="0" sz="1800" b="0" i="0" u="none" strike="noStrike" cap="none" spc="0" normalizeH="0" baseline="0">
             <a:ln>
               <a:noFill/>
             </a:ln>
@@ -11936,7 +12210,7 @@
           <a:buFontTx/>
           <a:buNone/>
           <a:tabLst/>
-          <a:defRPr b="0" baseline="0" cap="none" i="0" spc="0" strike="noStrike" sz="1800" u="none" kumimoji="0" normalizeH="0">
+          <a:defRPr kumimoji="0" sz="1800" b="0" i="0" u="none" strike="noStrike" cap="none" spc="0" normalizeH="0" baseline="0">
             <a:ln>
               <a:noFill/>
             </a:ln>
@@ -11962,7 +12236,7 @@
           <a:buFontTx/>
           <a:buNone/>
           <a:tabLst/>
-          <a:defRPr b="0" baseline="0" cap="none" i="0" spc="0" strike="noStrike" sz="1800" u="none" kumimoji="0" normalizeH="0">
+          <a:defRPr kumimoji="0" sz="1800" b="0" i="0" u="none" strike="noStrike" cap="none" spc="0" normalizeH="0" baseline="0">
             <a:ln>
               <a:noFill/>
             </a:ln>
@@ -11988,7 +12262,7 @@
           <a:buFontTx/>
           <a:buNone/>
           <a:tabLst/>
-          <a:defRPr b="0" baseline="0" cap="none" i="0" spc="0" strike="noStrike" sz="1800" u="none" kumimoji="0" normalizeH="0">
+          <a:defRPr kumimoji="0" sz="1800" b="0" i="0" u="none" strike="noStrike" cap="none" spc="0" normalizeH="0" baseline="0">
             <a:ln>
               <a:noFill/>
             </a:ln>
@@ -12014,7 +12288,7 @@
           <a:buFontTx/>
           <a:buNone/>
           <a:tabLst/>
-          <a:defRPr b="0" baseline="0" cap="none" i="0" spc="0" strike="noStrike" sz="1800" u="none" kumimoji="0" normalizeH="0">
+          <a:defRPr kumimoji="0" sz="1800" b="0" i="0" u="none" strike="noStrike" cap="none" spc="0" normalizeH="0" baseline="0">
             <a:ln>
               <a:noFill/>
             </a:ln>
@@ -12040,7 +12314,7 @@
           <a:buFontTx/>
           <a:buNone/>
           <a:tabLst/>
-          <a:defRPr b="0" baseline="0" cap="none" i="0" spc="0" strike="noStrike" sz="1800" u="none" kumimoji="0" normalizeH="0">
+          <a:defRPr kumimoji="0" sz="1800" b="0" i="0" u="none" strike="noStrike" cap="none" spc="0" normalizeH="0" baseline="0">
             <a:ln>
               <a:noFill/>
             </a:ln>
@@ -12053,12 +12327,19 @@
         </a:lvl9pPr>
       </a:lstStyle>
       <a:style>
-        <a:lnRef idx="0"/>
-        <a:fillRef idx="0"/>
-        <a:effectRef idx="0"/>
+        <a:lnRef idx="0">
+          <a:scrgbClr r="0" g="0" b="0"/>
+        </a:lnRef>
+        <a:fillRef idx="0">
+          <a:scrgbClr r="0" g="0" b="0"/>
+        </a:fillRef>
+        <a:effectRef idx="0">
+          <a:scrgbClr r="0" g="0" b="0"/>
+        </a:effectRef>
         <a:fontRef idx="none"/>
       </a:style>
     </a:txDef>
   </a:objectDefaults>
+  <a:extraClrSchemeLst/>
 </a:theme>
 </file>